--- a/project_presentation.pptx
+++ b/project_presentation.pptx
@@ -10,6 +10,7 @@
     <p:sldId id="258" r:id="rId4"/>
     <p:sldId id="259" r:id="rId5"/>
     <p:sldId id="260" r:id="rId6"/>
+    <p:sldId id="261" r:id="rId7"/>
   </p:sldIdLst>
   <p:sldSz cx="12192000" cy="6858000"/>
   <p:notesSz cx="6858000" cy="9144000"/>
@@ -122,6 +123,7 @@
             <p14:sldId id="258"/>
             <p14:sldId id="259"/>
             <p14:sldId id="260"/>
+            <p14:sldId id="261"/>
           </p14:sldIdLst>
         </p14:section>
       </p14:sectionLst>
@@ -6057,13 +6059,8 @@
           <a:p>
             <a:r>
               <a:rPr lang="en-US" dirty="0"/>
-              <a:t>At the end of the program (when enough results have been collected), experiments that indicate biggest throughput increases are highlighted as lines </a:t>
-            </a:r>
-            <a:r>
-              <a:rPr lang="en-US"/>
-              <a:t>for optimization</a:t>
-            </a:r>
-            <a:endParaRPr lang="en-US" dirty="0"/>
+              <a:t>At the end of the program (when enough results have been collected), experiments that indicate biggest throughput increases are highlighted as lines for optimization</a:t>
+            </a:r>
           </a:p>
           <a:p>
             <a:endParaRPr lang="en-US" dirty="0"/>
@@ -6074,6 +6071,150 @@
     <p:extLst>
       <p:ext uri="{BB962C8B-B14F-4D97-AF65-F5344CB8AC3E}">
         <p14:creationId xmlns:p14="http://schemas.microsoft.com/office/powerpoint/2010/main" val="1976209311"/>
+      </p:ext>
+    </p:extLst>
+  </p:cSld>
+  <p:clrMapOvr>
+    <a:masterClrMapping/>
+  </p:clrMapOvr>
+</p:sld>
+</file>
+
+<file path=ppt/slides/slide6.xml><?xml version="1.0" encoding="utf-8"?>
+<p:sld xmlns:a="http://schemas.openxmlformats.org/drawingml/2006/main" xmlns:r="http://schemas.openxmlformats.org/officeDocument/2006/relationships" xmlns:p="http://schemas.openxmlformats.org/presentationml/2006/main">
+  <p:cSld>
+    <p:spTree>
+      <p:nvGrpSpPr>
+        <p:cNvPr id="1" name=""/>
+        <p:cNvGrpSpPr/>
+        <p:nvPr/>
+      </p:nvGrpSpPr>
+      <p:grpSpPr>
+        <a:xfrm>
+          <a:off x="0" y="0"/>
+          <a:ext cx="0" cy="0"/>
+          <a:chOff x="0" y="0"/>
+          <a:chExt cx="0" cy="0"/>
+        </a:xfrm>
+      </p:grpSpPr>
+      <p:sp>
+        <p:nvSpPr>
+          <p:cNvPr id="4" name="Title 3"/>
+          <p:cNvSpPr>
+            <a:spLocks noGrp="1"/>
+          </p:cNvSpPr>
+          <p:nvPr>
+            <p:ph type="title"/>
+          </p:nvPr>
+        </p:nvSpPr>
+        <p:spPr/>
+        <p:txBody>
+          <a:bodyPr/>
+          <a:lstStyle/>
+          <a:p>
+            <a:r>
+              <a:rPr lang="en-US" dirty="0"/>
+              <a:t>Virtual Speedup visualization</a:t>
+            </a:r>
+          </a:p>
+        </p:txBody>
+      </p:sp>
+      <p:pic>
+        <p:nvPicPr>
+          <p:cNvPr id="7" name="Content Placeholder 6"/>
+          <p:cNvPicPr>
+            <a:picLocks noGrp="1" noChangeAspect="1"/>
+          </p:cNvPicPr>
+          <p:nvPr>
+            <p:ph idx="1"/>
+          </p:nvPr>
+        </p:nvPicPr>
+        <p:blipFill>
+          <a:blip r:embed="rId2"/>
+          <a:stretch>
+            <a:fillRect/>
+          </a:stretch>
+        </p:blipFill>
+        <p:spPr>
+          <a:xfrm>
+            <a:off x="6145823" y="319585"/>
+            <a:ext cx="4570535" cy="6282877"/>
+          </a:xfrm>
+        </p:spPr>
+      </p:pic>
+      <p:sp>
+        <p:nvSpPr>
+          <p:cNvPr id="6" name="Text Placeholder 5"/>
+          <p:cNvSpPr>
+            <a:spLocks noGrp="1"/>
+          </p:cNvSpPr>
+          <p:nvPr>
+            <p:ph type="body" sz="half" idx="2"/>
+          </p:nvPr>
+        </p:nvSpPr>
+        <p:spPr>
+          <a:xfrm>
+            <a:off x="235804" y="4800593"/>
+            <a:ext cx="3549121" cy="1828800"/>
+          </a:xfrm>
+        </p:spPr>
+        <p:txBody>
+          <a:bodyPr>
+            <a:normAutofit fontScale="92500"/>
+          </a:bodyPr>
+          <a:lstStyle/>
+          <a:p>
+            <a:r>
+              <a:rPr lang="en-US" dirty="0"/>
+              <a:t>Photo credit: Charlie </a:t>
+            </a:r>
+            <a:r>
+              <a:rPr lang="en-US" dirty="0" err="1"/>
+              <a:t>Curtsinger</a:t>
+            </a:r>
+            <a:r>
+              <a:rPr lang="en-US" dirty="0"/>
+              <a:t> and Emery Berger</a:t>
+            </a:r>
+          </a:p>
+          <a:p>
+            <a:endParaRPr lang="en-US" dirty="0"/>
+          </a:p>
+          <a:p>
+            <a:r>
+              <a:rPr lang="en-US" dirty="0">
+                <a:effectLst/>
+              </a:rPr>
+              <a:t>C. </a:t>
+            </a:r>
+            <a:r>
+              <a:rPr lang="en-US" dirty="0" err="1">
+                <a:effectLst/>
+              </a:rPr>
+              <a:t>Curtsinger</a:t>
+            </a:r>
+            <a:r>
+              <a:rPr lang="en-US" dirty="0">
+                <a:effectLst/>
+              </a:rPr>
+              <a:t>, E. Berger. COZ: Finding Code that Counts with Causal Profiling. </a:t>
+            </a:r>
+            <a:r>
+              <a:rPr lang="en-US" i="1" dirty="0">
+                <a:effectLst/>
+              </a:rPr>
+              <a:t>SOSP '15 ACM SIGOPS</a:t>
+            </a:r>
+            <a:endParaRPr lang="en-US" dirty="0">
+              <a:effectLst/>
+            </a:endParaRPr>
+          </a:p>
+        </p:txBody>
+      </p:sp>
+    </p:spTree>
+    <p:extLst>
+      <p:ext uri="{BB962C8B-B14F-4D97-AF65-F5344CB8AC3E}">
+        <p14:creationId xmlns:p14="http://schemas.microsoft.com/office/powerpoint/2010/main" val="1051421467"/>
       </p:ext>
     </p:extLst>
   </p:cSld>

--- a/project_presentation.pptx
+++ b/project_presentation.pptx
@@ -11,6 +11,8 @@
     <p:sldId id="259" r:id="rId5"/>
     <p:sldId id="260" r:id="rId6"/>
     <p:sldId id="261" r:id="rId7"/>
+    <p:sldId id="262" r:id="rId8"/>
+    <p:sldId id="263" r:id="rId9"/>
   </p:sldIdLst>
   <p:sldSz cx="12192000" cy="6858000"/>
   <p:notesSz cx="6858000" cy="9144000"/>
@@ -124,6 +126,12 @@
             <p14:sldId id="259"/>
             <p14:sldId id="260"/>
             <p14:sldId id="261"/>
+          </p14:sldIdLst>
+        </p14:section>
+        <p14:section name="Toy Example" id="{E5DF1C0F-FAFF-4A44-ACE2-F3050C91A851}">
+          <p14:sldIdLst>
+            <p14:sldId id="262"/>
+            <p14:sldId id="263"/>
           </p14:sldIdLst>
         </p14:section>
       </p14:sectionLst>
@@ -6224,6 +6232,156 @@
 </p:sld>
 </file>
 
+<file path=ppt/slides/slide7.xml><?xml version="1.0" encoding="utf-8"?>
+<p:sld xmlns:a="http://schemas.openxmlformats.org/drawingml/2006/main" xmlns:r="http://schemas.openxmlformats.org/officeDocument/2006/relationships" xmlns:p="http://schemas.openxmlformats.org/presentationml/2006/main">
+  <p:cSld>
+    <p:spTree>
+      <p:nvGrpSpPr>
+        <p:cNvPr id="1" name=""/>
+        <p:cNvGrpSpPr/>
+        <p:nvPr/>
+      </p:nvGrpSpPr>
+      <p:grpSpPr>
+        <a:xfrm>
+          <a:off x="0" y="0"/>
+          <a:ext cx="0" cy="0"/>
+          <a:chOff x="0" y="0"/>
+          <a:chExt cx="0" cy="0"/>
+        </a:xfrm>
+      </p:grpSpPr>
+      <p:sp>
+        <p:nvSpPr>
+          <p:cNvPr id="5" name="Title 4"/>
+          <p:cNvSpPr>
+            <a:spLocks noGrp="1"/>
+          </p:cNvSpPr>
+          <p:nvPr>
+            <p:ph type="title"/>
+          </p:nvPr>
+        </p:nvSpPr>
+        <p:spPr>
+          <a:xfrm>
+            <a:off x="984738" y="3308581"/>
+            <a:ext cx="9453075" cy="1468800"/>
+          </a:xfrm>
+        </p:spPr>
+        <p:txBody>
+          <a:bodyPr/>
+          <a:lstStyle/>
+          <a:p>
+            <a:r>
+              <a:rPr lang="en-US" dirty="0"/>
+              <a:t>multithreaded program Example</a:t>
+            </a:r>
+          </a:p>
+        </p:txBody>
+      </p:sp>
+      <p:sp>
+        <p:nvSpPr>
+          <p:cNvPr id="6" name="Text Placeholder 5"/>
+          <p:cNvSpPr>
+            <a:spLocks noGrp="1"/>
+          </p:cNvSpPr>
+          <p:nvPr>
+            <p:ph type="body" idx="1"/>
+          </p:nvPr>
+        </p:nvSpPr>
+        <p:spPr/>
+        <p:txBody>
+          <a:bodyPr/>
+          <a:lstStyle/>
+          <a:p>
+            <a:endParaRPr lang="en-US"/>
+          </a:p>
+        </p:txBody>
+      </p:sp>
+    </p:spTree>
+    <p:extLst>
+      <p:ext uri="{BB962C8B-B14F-4D97-AF65-F5344CB8AC3E}">
+        <p14:creationId xmlns:p14="http://schemas.microsoft.com/office/powerpoint/2010/main" val="3674340055"/>
+      </p:ext>
+    </p:extLst>
+  </p:cSld>
+  <p:clrMapOvr>
+    <a:masterClrMapping/>
+  </p:clrMapOvr>
+</p:sld>
+</file>
+
+<file path=ppt/slides/slide8.xml><?xml version="1.0" encoding="utf-8"?>
+<p:sld xmlns:a="http://schemas.openxmlformats.org/drawingml/2006/main" xmlns:r="http://schemas.openxmlformats.org/officeDocument/2006/relationships" xmlns:p="http://schemas.openxmlformats.org/presentationml/2006/main">
+  <p:cSld>
+    <p:spTree>
+      <p:nvGrpSpPr>
+        <p:cNvPr id="1" name=""/>
+        <p:cNvGrpSpPr/>
+        <p:nvPr/>
+      </p:nvGrpSpPr>
+      <p:grpSpPr>
+        <a:xfrm>
+          <a:off x="0" y="0"/>
+          <a:ext cx="0" cy="0"/>
+          <a:chOff x="0" y="0"/>
+          <a:chExt cx="0" cy="0"/>
+        </a:xfrm>
+      </p:grpSpPr>
+      <p:sp>
+        <p:nvSpPr>
+          <p:cNvPr id="4" name="Title 3"/>
+          <p:cNvSpPr>
+            <a:spLocks noGrp="1"/>
+          </p:cNvSpPr>
+          <p:nvPr>
+            <p:ph type="title"/>
+          </p:nvPr>
+        </p:nvSpPr>
+        <p:spPr/>
+        <p:txBody>
+          <a:bodyPr/>
+          <a:lstStyle/>
+          <a:p>
+            <a:r>
+              <a:rPr lang="en-US" dirty="0"/>
+              <a:t>Example program with two threads</a:t>
+            </a:r>
+          </a:p>
+        </p:txBody>
+      </p:sp>
+      <p:sp>
+        <p:nvSpPr>
+          <p:cNvPr id="5" name="Content Placeholder 4"/>
+          <p:cNvSpPr>
+            <a:spLocks noGrp="1"/>
+          </p:cNvSpPr>
+          <p:nvPr>
+            <p:ph idx="1"/>
+          </p:nvPr>
+        </p:nvSpPr>
+        <p:spPr/>
+        <p:txBody>
+          <a:bodyPr/>
+          <a:lstStyle/>
+          <a:p>
+            <a:pPr marL="0" indent="0">
+              <a:buNone/>
+            </a:pPr>
+            <a:endParaRPr lang="en-US" dirty="0"/>
+          </a:p>
+        </p:txBody>
+      </p:sp>
+    </p:spTree>
+    <p:extLst>
+      <p:ext uri="{BB962C8B-B14F-4D97-AF65-F5344CB8AC3E}">
+        <p14:creationId xmlns:p14="http://schemas.microsoft.com/office/powerpoint/2010/main" val="2795144053"/>
+      </p:ext>
+    </p:extLst>
+  </p:cSld>
+  <p:clrMapOvr>
+    <a:masterClrMapping/>
+  </p:clrMapOvr>
+</p:sld>
+</file>
+
 <file path=ppt/theme/theme1.xml><?xml version="1.0" encoding="utf-8"?>
 <a:theme xmlns:a="http://schemas.openxmlformats.org/drawingml/2006/main" name="Mesh">
   <a:themeElements>

--- a/project_presentation.pptx
+++ b/project_presentation.pptx
@@ -13,6 +13,30 @@
     <p:sldId id="261" r:id="rId7"/>
     <p:sldId id="262" r:id="rId8"/>
     <p:sldId id="263" r:id="rId9"/>
+    <p:sldId id="264" r:id="rId10"/>
+    <p:sldId id="265" r:id="rId11"/>
+    <p:sldId id="266" r:id="rId12"/>
+    <p:sldId id="267" r:id="rId13"/>
+    <p:sldId id="268" r:id="rId14"/>
+    <p:sldId id="269" r:id="rId15"/>
+    <p:sldId id="270" r:id="rId16"/>
+    <p:sldId id="271" r:id="rId17"/>
+    <p:sldId id="272" r:id="rId18"/>
+    <p:sldId id="273" r:id="rId19"/>
+    <p:sldId id="276" r:id="rId20"/>
+    <p:sldId id="274" r:id="rId21"/>
+    <p:sldId id="277" r:id="rId22"/>
+    <p:sldId id="275" r:id="rId23"/>
+    <p:sldId id="286" r:id="rId24"/>
+    <p:sldId id="278" r:id="rId25"/>
+    <p:sldId id="279" r:id="rId26"/>
+    <p:sldId id="287" r:id="rId27"/>
+    <p:sldId id="280" r:id="rId28"/>
+    <p:sldId id="281" r:id="rId29"/>
+    <p:sldId id="282" r:id="rId30"/>
+    <p:sldId id="283" r:id="rId31"/>
+    <p:sldId id="284" r:id="rId32"/>
+    <p:sldId id="285" r:id="rId33"/>
   </p:sldIdLst>
   <p:sldSz cx="12192000" cy="6858000"/>
   <p:notesSz cx="6858000" cy="9144000"/>
@@ -114,7 +138,7 @@
   <p:extLst>
     <p:ext uri="{521415D9-36F7-43E2-AB2F-B90AF26B5E84}">
       <p14:sectionLst xmlns:p14="http://schemas.microsoft.com/office/powerpoint/2010/main">
-        <p14:section name="Default Section" id="{999C64DF-E22F-4843-87E8-435326D479B0}">
+        <p14:section name="Title" id="{999C64DF-E22F-4843-87E8-435326D479B0}">
           <p14:sldIdLst>
             <p14:sldId id="256"/>
           </p14:sldIdLst>
@@ -132,9 +156,48 @@
           <p14:sldIdLst>
             <p14:sldId id="262"/>
             <p14:sldId id="263"/>
+            <p14:sldId id="264"/>
+            <p14:sldId id="265"/>
+            <p14:sldId id="266"/>
+            <p14:sldId id="267"/>
+            <p14:sldId id="268"/>
+            <p14:sldId id="269"/>
+            <p14:sldId id="270"/>
+          </p14:sldIdLst>
+        </p14:section>
+        <p14:section name="Library Optimizations" id="{D3519430-C04F-4757-9143-D6456DA6E3CB}">
+          <p14:sldIdLst>
+            <p14:sldId id="271"/>
+            <p14:sldId id="272"/>
+            <p14:sldId id="273"/>
+            <p14:sldId id="276"/>
+            <p14:sldId id="274"/>
+            <p14:sldId id="277"/>
+            <p14:sldId id="275"/>
+            <p14:sldId id="286"/>
+          </p14:sldIdLst>
+        </p14:section>
+        <p14:section name="Runtime Overhead" id="{45A58436-BBD8-4EFF-88E6-D7CA3C836D7A}">
+          <p14:sldIdLst>
+            <p14:sldId id="278"/>
+            <p14:sldId id="279"/>
+            <p14:sldId id="287"/>
+            <p14:sldId id="280"/>
+          </p14:sldIdLst>
+        </p14:section>
+        <p14:section name="Conclusion" id="{97AEFD1C-5703-42BB-8C01-32FC4C03B168}">
+          <p14:sldIdLst>
+            <p14:sldId id="281"/>
+            <p14:sldId id="282"/>
+            <p14:sldId id="283"/>
+            <p14:sldId id="284"/>
+            <p14:sldId id="285"/>
           </p14:sldIdLst>
         </p14:section>
       </p14:sectionLst>
+    </p:ext>
+    <p:ext uri="{EFAFB233-063F-42B5-8137-9DF3F51BA10A}">
+      <p15:sldGuideLst xmlns:p15="http://schemas.microsoft.com/office/powerpoint/2012/main"/>
     </p:ext>
   </p:extLst>
 </p:presentation>
@@ -5712,6 +5775,849 @@
 </p:sld>
 </file>
 
+<file path=ppt/slides/slide10.xml><?xml version="1.0" encoding="utf-8"?>
+<p:sld xmlns:a="http://schemas.openxmlformats.org/drawingml/2006/main" xmlns:r="http://schemas.openxmlformats.org/officeDocument/2006/relationships" xmlns:p="http://schemas.openxmlformats.org/presentationml/2006/main">
+  <p:cSld>
+    <p:spTree>
+      <p:nvGrpSpPr>
+        <p:cNvPr id="1" name=""/>
+        <p:cNvGrpSpPr/>
+        <p:nvPr/>
+      </p:nvGrpSpPr>
+      <p:grpSpPr>
+        <a:xfrm>
+          <a:off x="0" y="0"/>
+          <a:ext cx="0" cy="0"/>
+          <a:chOff x="0" y="0"/>
+          <a:chExt cx="0" cy="0"/>
+        </a:xfrm>
+      </p:grpSpPr>
+      <p:sp>
+        <p:nvSpPr>
+          <p:cNvPr id="2" name="Title 1"/>
+          <p:cNvSpPr>
+            <a:spLocks noGrp="1"/>
+          </p:cNvSpPr>
+          <p:nvPr>
+            <p:ph type="title"/>
+          </p:nvPr>
+        </p:nvSpPr>
+        <p:spPr>
+          <a:xfrm>
+            <a:off x="1141413" y="390525"/>
+            <a:ext cx="9905998" cy="1066800"/>
+          </a:xfrm>
+        </p:spPr>
+        <p:txBody>
+          <a:bodyPr/>
+          <a:lstStyle/>
+          <a:p>
+            <a:r>
+              <a:rPr lang="en-US" dirty="0" err="1"/>
+              <a:t>Jcoz</a:t>
+            </a:r>
+            <a:r>
+              <a:rPr lang="en-US" dirty="0"/>
+              <a:t> gives accurate profile results (II)</a:t>
+            </a:r>
+          </a:p>
+        </p:txBody>
+      </p:sp>
+      <p:pic>
+        <p:nvPicPr>
+          <p:cNvPr id="4" name="Content Placeholder 3"/>
+          <p:cNvPicPr>
+            <a:picLocks noGrp="1" noChangeAspect="1"/>
+          </p:cNvPicPr>
+          <p:nvPr>
+            <p:ph idx="1"/>
+          </p:nvPr>
+        </p:nvPicPr>
+        <p:blipFill>
+          <a:blip r:embed="rId2"/>
+          <a:stretch>
+            <a:fillRect/>
+          </a:stretch>
+        </p:blipFill>
+        <p:spPr>
+          <a:xfrm>
+            <a:off x="1734831" y="1609725"/>
+            <a:ext cx="7530188" cy="4524375"/>
+          </a:xfrm>
+        </p:spPr>
+      </p:pic>
+    </p:spTree>
+    <p:extLst>
+      <p:ext uri="{BB962C8B-B14F-4D97-AF65-F5344CB8AC3E}">
+        <p14:creationId xmlns:p14="http://schemas.microsoft.com/office/powerpoint/2010/main" val="1131309057"/>
+      </p:ext>
+    </p:extLst>
+  </p:cSld>
+  <p:clrMapOvr>
+    <a:masterClrMapping/>
+  </p:clrMapOvr>
+</p:sld>
+</file>
+
+<file path=ppt/slides/slide11.xml><?xml version="1.0" encoding="utf-8"?>
+<p:sld xmlns:a="http://schemas.openxmlformats.org/drawingml/2006/main" xmlns:r="http://schemas.openxmlformats.org/officeDocument/2006/relationships" xmlns:p="http://schemas.openxmlformats.org/presentationml/2006/main">
+  <p:cSld>
+    <p:spTree>
+      <p:nvGrpSpPr>
+        <p:cNvPr id="1" name=""/>
+        <p:cNvGrpSpPr/>
+        <p:nvPr/>
+      </p:nvGrpSpPr>
+      <p:grpSpPr>
+        <a:xfrm>
+          <a:off x="0" y="0"/>
+          <a:ext cx="0" cy="0"/>
+          <a:chOff x="0" y="0"/>
+          <a:chExt cx="0" cy="0"/>
+        </a:xfrm>
+      </p:grpSpPr>
+      <p:sp>
+        <p:nvSpPr>
+          <p:cNvPr id="4" name="Title 3"/>
+          <p:cNvSpPr>
+            <a:spLocks noGrp="1"/>
+          </p:cNvSpPr>
+          <p:nvPr>
+            <p:ph type="title"/>
+          </p:nvPr>
+        </p:nvSpPr>
+        <p:spPr/>
+        <p:txBody>
+          <a:bodyPr/>
+          <a:lstStyle/>
+          <a:p>
+            <a:r>
+              <a:rPr lang="en-US" dirty="0"/>
+              <a:t>Is this more useful than a normal profiler?</a:t>
+            </a:r>
+          </a:p>
+        </p:txBody>
+      </p:sp>
+      <p:sp>
+        <p:nvSpPr>
+          <p:cNvPr id="5" name="Text Placeholder 4"/>
+          <p:cNvSpPr>
+            <a:spLocks noGrp="1"/>
+          </p:cNvSpPr>
+          <p:nvPr>
+            <p:ph type="body" idx="1"/>
+          </p:nvPr>
+        </p:nvSpPr>
+        <p:spPr/>
+        <p:txBody>
+          <a:bodyPr/>
+          <a:lstStyle/>
+          <a:p>
+            <a:endParaRPr lang="en-US"/>
+          </a:p>
+        </p:txBody>
+      </p:sp>
+    </p:spTree>
+    <p:extLst>
+      <p:ext uri="{BB962C8B-B14F-4D97-AF65-F5344CB8AC3E}">
+        <p14:creationId xmlns:p14="http://schemas.microsoft.com/office/powerpoint/2010/main" val="2629855580"/>
+      </p:ext>
+    </p:extLst>
+  </p:cSld>
+  <p:clrMapOvr>
+    <a:masterClrMapping/>
+  </p:clrMapOvr>
+</p:sld>
+</file>
+
+<file path=ppt/slides/slide12.xml><?xml version="1.0" encoding="utf-8"?>
+<p:sld xmlns:a="http://schemas.openxmlformats.org/drawingml/2006/main" xmlns:r="http://schemas.openxmlformats.org/officeDocument/2006/relationships" xmlns:p="http://schemas.openxmlformats.org/presentationml/2006/main">
+  <p:cSld>
+    <p:spTree>
+      <p:nvGrpSpPr>
+        <p:cNvPr id="1" name=""/>
+        <p:cNvGrpSpPr/>
+        <p:nvPr/>
+      </p:nvGrpSpPr>
+      <p:grpSpPr>
+        <a:xfrm>
+          <a:off x="0" y="0"/>
+          <a:ext cx="0" cy="0"/>
+          <a:chOff x="0" y="0"/>
+          <a:chExt cx="0" cy="0"/>
+        </a:xfrm>
+      </p:grpSpPr>
+      <p:sp>
+        <p:nvSpPr>
+          <p:cNvPr id="4" name="Title 3"/>
+          <p:cNvSpPr>
+            <a:spLocks noGrp="1"/>
+          </p:cNvSpPr>
+          <p:nvPr>
+            <p:ph type="title"/>
+          </p:nvPr>
+        </p:nvSpPr>
+        <p:spPr/>
+        <p:txBody>
+          <a:bodyPr/>
+          <a:lstStyle/>
+          <a:p>
+            <a:r>
+              <a:rPr lang="en-US" dirty="0"/>
+              <a:t>HPROF output gives Misleading Results</a:t>
+            </a:r>
+          </a:p>
+        </p:txBody>
+      </p:sp>
+      <p:pic>
+        <p:nvPicPr>
+          <p:cNvPr id="10" name="Content Placeholder 9"/>
+          <p:cNvPicPr>
+            <a:picLocks noGrp="1" noChangeAspect="1"/>
+          </p:cNvPicPr>
+          <p:nvPr>
+            <p:ph idx="1"/>
+          </p:nvPr>
+        </p:nvPicPr>
+        <p:blipFill>
+          <a:blip r:embed="rId2"/>
+          <a:stretch>
+            <a:fillRect/>
+          </a:stretch>
+        </p:blipFill>
+        <p:spPr>
+          <a:xfrm>
+            <a:off x="1141413" y="2506584"/>
+            <a:ext cx="9983787" cy="3472085"/>
+          </a:xfrm>
+        </p:spPr>
+      </p:pic>
+    </p:spTree>
+    <p:extLst>
+      <p:ext uri="{BB962C8B-B14F-4D97-AF65-F5344CB8AC3E}">
+        <p14:creationId xmlns:p14="http://schemas.microsoft.com/office/powerpoint/2010/main" val="3300459414"/>
+      </p:ext>
+    </p:extLst>
+  </p:cSld>
+  <p:clrMapOvr>
+    <a:masterClrMapping/>
+  </p:clrMapOvr>
+</p:sld>
+</file>
+
+<file path=ppt/slides/slide13.xml><?xml version="1.0" encoding="utf-8"?>
+<p:sld xmlns:a="http://schemas.openxmlformats.org/drawingml/2006/main" xmlns:r="http://schemas.openxmlformats.org/officeDocument/2006/relationships" xmlns:p="http://schemas.openxmlformats.org/presentationml/2006/main">
+  <p:cSld>
+    <p:spTree>
+      <p:nvGrpSpPr>
+        <p:cNvPr id="1" name=""/>
+        <p:cNvGrpSpPr/>
+        <p:nvPr/>
+      </p:nvGrpSpPr>
+      <p:grpSpPr>
+        <a:xfrm>
+          <a:off x="0" y="0"/>
+          <a:ext cx="0" cy="0"/>
+          <a:chOff x="0" y="0"/>
+          <a:chExt cx="0" cy="0"/>
+        </a:xfrm>
+      </p:grpSpPr>
+      <p:sp>
+        <p:nvSpPr>
+          <p:cNvPr id="2" name="Title 1"/>
+          <p:cNvSpPr>
+            <a:spLocks noGrp="1"/>
+          </p:cNvSpPr>
+          <p:nvPr>
+            <p:ph type="title"/>
+          </p:nvPr>
+        </p:nvSpPr>
+        <p:spPr/>
+        <p:txBody>
+          <a:bodyPr/>
+          <a:lstStyle/>
+          <a:p>
+            <a:r>
+              <a:rPr lang="en-US" dirty="0"/>
+              <a:t>Using a normal sampling profiler isn’t much better</a:t>
+            </a:r>
+          </a:p>
+        </p:txBody>
+      </p:sp>
+      <p:pic>
+        <p:nvPicPr>
+          <p:cNvPr id="4" name="Content Placeholder 3"/>
+          <p:cNvPicPr>
+            <a:picLocks noGrp="1" noChangeAspect="1"/>
+          </p:cNvPicPr>
+          <p:nvPr>
+            <p:ph idx="1"/>
+          </p:nvPr>
+        </p:nvPicPr>
+        <p:blipFill>
+          <a:blip r:embed="rId2"/>
+          <a:stretch>
+            <a:fillRect/>
+          </a:stretch>
+        </p:blipFill>
+        <p:spPr>
+          <a:xfrm>
+            <a:off x="1140986" y="3143250"/>
+            <a:ext cx="9993755" cy="2190750"/>
+          </a:xfrm>
+        </p:spPr>
+      </p:pic>
+    </p:spTree>
+    <p:extLst>
+      <p:ext uri="{BB962C8B-B14F-4D97-AF65-F5344CB8AC3E}">
+        <p14:creationId xmlns:p14="http://schemas.microsoft.com/office/powerpoint/2010/main" val="3235466530"/>
+      </p:ext>
+    </p:extLst>
+  </p:cSld>
+  <p:clrMapOvr>
+    <a:masterClrMapping/>
+  </p:clrMapOvr>
+</p:sld>
+</file>
+
+<file path=ppt/slides/slide14.xml><?xml version="1.0" encoding="utf-8"?>
+<p:sld xmlns:a="http://schemas.openxmlformats.org/drawingml/2006/main" xmlns:r="http://schemas.openxmlformats.org/officeDocument/2006/relationships" xmlns:p="http://schemas.openxmlformats.org/presentationml/2006/main">
+  <p:cSld>
+    <p:spTree>
+      <p:nvGrpSpPr>
+        <p:cNvPr id="1" name=""/>
+        <p:cNvGrpSpPr/>
+        <p:nvPr/>
+      </p:nvGrpSpPr>
+      <p:grpSpPr>
+        <a:xfrm>
+          <a:off x="0" y="0"/>
+          <a:ext cx="0" cy="0"/>
+          <a:chOff x="0" y="0"/>
+          <a:chExt cx="0" cy="0"/>
+        </a:xfrm>
+      </p:grpSpPr>
+      <p:sp>
+        <p:nvSpPr>
+          <p:cNvPr id="4" name="Title 3"/>
+          <p:cNvSpPr>
+            <a:spLocks noGrp="1"/>
+          </p:cNvSpPr>
+          <p:nvPr>
+            <p:ph type="title"/>
+          </p:nvPr>
+        </p:nvSpPr>
+        <p:spPr/>
+        <p:txBody>
+          <a:bodyPr/>
+          <a:lstStyle/>
+          <a:p>
+            <a:r>
+              <a:rPr lang="en-US" dirty="0"/>
+              <a:t>Other examples of where this is useful?</a:t>
+            </a:r>
+          </a:p>
+        </p:txBody>
+      </p:sp>
+      <p:sp>
+        <p:nvSpPr>
+          <p:cNvPr id="5" name="Text Placeholder 4"/>
+          <p:cNvSpPr>
+            <a:spLocks noGrp="1"/>
+          </p:cNvSpPr>
+          <p:nvPr>
+            <p:ph type="body" idx="1"/>
+          </p:nvPr>
+        </p:nvSpPr>
+        <p:spPr/>
+        <p:txBody>
+          <a:bodyPr/>
+          <a:lstStyle/>
+          <a:p>
+            <a:endParaRPr lang="en-US"/>
+          </a:p>
+        </p:txBody>
+      </p:sp>
+    </p:spTree>
+    <p:extLst>
+      <p:ext uri="{BB962C8B-B14F-4D97-AF65-F5344CB8AC3E}">
+        <p14:creationId xmlns:p14="http://schemas.microsoft.com/office/powerpoint/2010/main" val="3612201071"/>
+      </p:ext>
+    </p:extLst>
+  </p:cSld>
+  <p:clrMapOvr>
+    <a:masterClrMapping/>
+  </p:clrMapOvr>
+</p:sld>
+</file>
+
+<file path=ppt/slides/slide15.xml><?xml version="1.0" encoding="utf-8"?>
+<p:sld xmlns:a="http://schemas.openxmlformats.org/drawingml/2006/main" xmlns:r="http://schemas.openxmlformats.org/officeDocument/2006/relationships" xmlns:p="http://schemas.openxmlformats.org/presentationml/2006/main">
+  <p:cSld>
+    <p:spTree>
+      <p:nvGrpSpPr>
+        <p:cNvPr id="1" name=""/>
+        <p:cNvGrpSpPr/>
+        <p:nvPr/>
+      </p:nvGrpSpPr>
+      <p:grpSpPr>
+        <a:xfrm>
+          <a:off x="0" y="0"/>
+          <a:ext cx="0" cy="0"/>
+          <a:chOff x="0" y="0"/>
+          <a:chExt cx="0" cy="0"/>
+        </a:xfrm>
+      </p:grpSpPr>
+      <p:sp>
+        <p:nvSpPr>
+          <p:cNvPr id="4" name="Title 3"/>
+          <p:cNvSpPr>
+            <a:spLocks noGrp="1"/>
+          </p:cNvSpPr>
+          <p:nvPr>
+            <p:ph type="title"/>
+          </p:nvPr>
+        </p:nvSpPr>
+        <p:spPr/>
+        <p:txBody>
+          <a:bodyPr/>
+          <a:lstStyle/>
+          <a:p>
+            <a:r>
+              <a:rPr lang="en-US" dirty="0"/>
+              <a:t>JCOZ works on many different multithreading scenarios</a:t>
+            </a:r>
+          </a:p>
+        </p:txBody>
+      </p:sp>
+      <p:sp>
+        <p:nvSpPr>
+          <p:cNvPr id="5" name="Content Placeholder 4"/>
+          <p:cNvSpPr>
+            <a:spLocks noGrp="1"/>
+          </p:cNvSpPr>
+          <p:nvPr>
+            <p:ph idx="1"/>
+          </p:nvPr>
+        </p:nvSpPr>
+        <p:spPr/>
+        <p:txBody>
+          <a:bodyPr/>
+          <a:lstStyle/>
+          <a:p>
+            <a:r>
+              <a:rPr lang="en-US" dirty="0"/>
+              <a:t>Concurrent threads with different runtimes (example just shown)</a:t>
+            </a:r>
+          </a:p>
+          <a:p>
+            <a:r>
+              <a:rPr lang="en-US" dirty="0"/>
+              <a:t>Serial thread execution (One thread waiting on a lock before starting execution)</a:t>
+            </a:r>
+          </a:p>
+          <a:p>
+            <a:r>
+              <a:rPr lang="en-US" dirty="0"/>
+              <a:t>Many threads  contending for a single lock</a:t>
+            </a:r>
+          </a:p>
+          <a:p>
+            <a:r>
+              <a:rPr lang="en-US" dirty="0"/>
+              <a:t>Robust to Amdahl’s law</a:t>
+            </a:r>
+          </a:p>
+          <a:p>
+            <a:r>
+              <a:rPr lang="en-US" dirty="0"/>
+              <a:t>Can even show a NEGATIVE speedup, i.e. if speeding up a line would cause increased contention at another point in the program</a:t>
+            </a:r>
+          </a:p>
+          <a:p>
+            <a:r>
+              <a:rPr lang="en-US" dirty="0"/>
+              <a:t>Many, many more</a:t>
+            </a:r>
+          </a:p>
+        </p:txBody>
+      </p:sp>
+    </p:spTree>
+    <p:extLst>
+      <p:ext uri="{BB962C8B-B14F-4D97-AF65-F5344CB8AC3E}">
+        <p14:creationId xmlns:p14="http://schemas.microsoft.com/office/powerpoint/2010/main" val="1692659481"/>
+      </p:ext>
+    </p:extLst>
+  </p:cSld>
+  <p:clrMapOvr>
+    <a:masterClrMapping/>
+  </p:clrMapOvr>
+</p:sld>
+</file>
+
+<file path=ppt/slides/slide16.xml><?xml version="1.0" encoding="utf-8"?>
+<p:sld xmlns:a="http://schemas.openxmlformats.org/drawingml/2006/main" xmlns:r="http://schemas.openxmlformats.org/officeDocument/2006/relationships" xmlns:p="http://schemas.openxmlformats.org/presentationml/2006/main">
+  <p:cSld>
+    <p:spTree>
+      <p:nvGrpSpPr>
+        <p:cNvPr id="1" name=""/>
+        <p:cNvGrpSpPr/>
+        <p:nvPr/>
+      </p:nvGrpSpPr>
+      <p:grpSpPr>
+        <a:xfrm>
+          <a:off x="0" y="0"/>
+          <a:ext cx="0" cy="0"/>
+          <a:chOff x="0" y="0"/>
+          <a:chExt cx="0" cy="0"/>
+        </a:xfrm>
+      </p:grpSpPr>
+      <p:sp>
+        <p:nvSpPr>
+          <p:cNvPr id="4" name="Title 3"/>
+          <p:cNvSpPr>
+            <a:spLocks noGrp="1"/>
+          </p:cNvSpPr>
+          <p:nvPr>
+            <p:ph type="title"/>
+          </p:nvPr>
+        </p:nvSpPr>
+        <p:spPr/>
+        <p:txBody>
+          <a:bodyPr/>
+          <a:lstStyle/>
+          <a:p>
+            <a:r>
+              <a:rPr lang="en-US" dirty="0"/>
+              <a:t>Library optimizations from using JCOZ</a:t>
+            </a:r>
+          </a:p>
+        </p:txBody>
+      </p:sp>
+      <p:sp>
+        <p:nvSpPr>
+          <p:cNvPr id="5" name="Text Placeholder 4"/>
+          <p:cNvSpPr>
+            <a:spLocks noGrp="1"/>
+          </p:cNvSpPr>
+          <p:nvPr>
+            <p:ph type="body" idx="1"/>
+          </p:nvPr>
+        </p:nvSpPr>
+        <p:spPr/>
+        <p:txBody>
+          <a:bodyPr/>
+          <a:lstStyle/>
+          <a:p>
+            <a:endParaRPr lang="en-US"/>
+          </a:p>
+        </p:txBody>
+      </p:sp>
+    </p:spTree>
+    <p:extLst>
+      <p:ext uri="{BB962C8B-B14F-4D97-AF65-F5344CB8AC3E}">
+        <p14:creationId xmlns:p14="http://schemas.microsoft.com/office/powerpoint/2010/main" val="2121640413"/>
+      </p:ext>
+    </p:extLst>
+  </p:cSld>
+  <p:clrMapOvr>
+    <a:masterClrMapping/>
+  </p:clrMapOvr>
+</p:sld>
+</file>
+
+<file path=ppt/slides/slide17.xml><?xml version="1.0" encoding="utf-8"?>
+<p:sld xmlns:a="http://schemas.openxmlformats.org/drawingml/2006/main" xmlns:r="http://schemas.openxmlformats.org/officeDocument/2006/relationships" xmlns:p="http://schemas.openxmlformats.org/presentationml/2006/main">
+  <p:cSld>
+    <p:spTree>
+      <p:nvGrpSpPr>
+        <p:cNvPr id="1" name=""/>
+        <p:cNvGrpSpPr/>
+        <p:nvPr/>
+      </p:nvGrpSpPr>
+      <p:grpSpPr>
+        <a:xfrm>
+          <a:off x="0" y="0"/>
+          <a:ext cx="0" cy="0"/>
+          <a:chOff x="0" y="0"/>
+          <a:chExt cx="0" cy="0"/>
+        </a:xfrm>
+      </p:grpSpPr>
+      <p:sp>
+        <p:nvSpPr>
+          <p:cNvPr id="4" name="Title 3"/>
+          <p:cNvSpPr>
+            <a:spLocks noGrp="1"/>
+          </p:cNvSpPr>
+          <p:nvPr>
+            <p:ph type="title"/>
+          </p:nvPr>
+        </p:nvSpPr>
+        <p:spPr/>
+        <p:txBody>
+          <a:bodyPr/>
+          <a:lstStyle/>
+          <a:p>
+            <a:r>
+              <a:rPr lang="en-US" dirty="0"/>
+              <a:t>Optimized Java h2 Database engine</a:t>
+            </a:r>
+          </a:p>
+        </p:txBody>
+      </p:sp>
+      <p:sp>
+        <p:nvSpPr>
+          <p:cNvPr id="5" name="Content Placeholder 4"/>
+          <p:cNvSpPr>
+            <a:spLocks noGrp="1"/>
+          </p:cNvSpPr>
+          <p:nvPr>
+            <p:ph idx="1"/>
+          </p:nvPr>
+        </p:nvSpPr>
+        <p:spPr/>
+        <p:txBody>
+          <a:bodyPr/>
+          <a:lstStyle/>
+          <a:p>
+            <a:r>
+              <a:rPr lang="en-US" dirty="0"/>
+              <a:t>Using </a:t>
+            </a:r>
+            <a:r>
+              <a:rPr lang="en-US" dirty="0" err="1"/>
+              <a:t>jcoz</a:t>
+            </a:r>
+            <a:r>
+              <a:rPr lang="en-US" dirty="0"/>
+              <a:t>, we were able to optimize the widely used, mature, high performance Java H2 Database Engine: </a:t>
+            </a:r>
+            <a:r>
+              <a:rPr lang="en-US" dirty="0">
+                <a:hlinkClick r:id="rId2"/>
+              </a:rPr>
+              <a:t>http://www.h2database.com/html/main.html</a:t>
+            </a:r>
+            <a:endParaRPr lang="en-US" dirty="0"/>
+          </a:p>
+          <a:p>
+            <a:r>
+              <a:rPr lang="en-US" dirty="0"/>
+              <a:t>Found and implemented optimization within 2 hours of running profiler</a:t>
+            </a:r>
+          </a:p>
+          <a:p>
+            <a:r>
+              <a:rPr lang="en-US" dirty="0"/>
+              <a:t>No previous knowledge of codebase</a:t>
+            </a:r>
+          </a:p>
+          <a:p>
+            <a:r>
+              <a:rPr lang="en-US" dirty="0"/>
+              <a:t>Measured optimization using the well established </a:t>
+            </a:r>
+            <a:r>
+              <a:rPr lang="en-US" dirty="0" err="1"/>
+              <a:t>Dacapo</a:t>
+            </a:r>
+            <a:r>
+              <a:rPr lang="en-US" dirty="0"/>
+              <a:t> Benchmark Suite</a:t>
+            </a:r>
+          </a:p>
+        </p:txBody>
+      </p:sp>
+    </p:spTree>
+    <p:extLst>
+      <p:ext uri="{BB962C8B-B14F-4D97-AF65-F5344CB8AC3E}">
+        <p14:creationId xmlns:p14="http://schemas.microsoft.com/office/powerpoint/2010/main" val="331839481"/>
+      </p:ext>
+    </p:extLst>
+  </p:cSld>
+  <p:clrMapOvr>
+    <a:masterClrMapping/>
+  </p:clrMapOvr>
+</p:sld>
+</file>
+
+<file path=ppt/slides/slide18.xml><?xml version="1.0" encoding="utf-8"?>
+<p:sld xmlns:a="http://schemas.openxmlformats.org/drawingml/2006/main" xmlns:r="http://schemas.openxmlformats.org/officeDocument/2006/relationships" xmlns:p="http://schemas.openxmlformats.org/presentationml/2006/main">
+  <p:cSld>
+    <p:spTree>
+      <p:nvGrpSpPr>
+        <p:cNvPr id="1" name=""/>
+        <p:cNvGrpSpPr/>
+        <p:nvPr/>
+      </p:nvGrpSpPr>
+      <p:grpSpPr>
+        <a:xfrm>
+          <a:off x="0" y="0"/>
+          <a:ext cx="0" cy="0"/>
+          <a:chOff x="0" y="0"/>
+          <a:chExt cx="0" cy="0"/>
+        </a:xfrm>
+      </p:grpSpPr>
+      <p:sp>
+        <p:nvSpPr>
+          <p:cNvPr id="2" name="Title 1"/>
+          <p:cNvSpPr>
+            <a:spLocks noGrp="1"/>
+          </p:cNvSpPr>
+          <p:nvPr>
+            <p:ph type="title"/>
+          </p:nvPr>
+        </p:nvSpPr>
+        <p:spPr/>
+        <p:txBody>
+          <a:bodyPr/>
+          <a:lstStyle/>
+          <a:p>
+            <a:r>
+              <a:rPr lang="en-US" dirty="0"/>
+              <a:t>H2 database Engine aside</a:t>
+            </a:r>
+          </a:p>
+        </p:txBody>
+      </p:sp>
+      <p:sp>
+        <p:nvSpPr>
+          <p:cNvPr id="3" name="Content Placeholder 2"/>
+          <p:cNvSpPr>
+            <a:spLocks noGrp="1"/>
+          </p:cNvSpPr>
+          <p:nvPr>
+            <p:ph idx="1"/>
+          </p:nvPr>
+        </p:nvSpPr>
+        <p:spPr/>
+        <p:txBody>
+          <a:bodyPr/>
+          <a:lstStyle/>
+          <a:p>
+            <a:r>
+              <a:rPr lang="en-US" dirty="0"/>
+              <a:t>Mature, widely used, multithreaded database</a:t>
+            </a:r>
+          </a:p>
+          <a:p>
+            <a:r>
+              <a:rPr lang="en-US" dirty="0"/>
+              <a:t>Used in many projects, including Apache Cayenne, Apache Jackrabbit, </a:t>
+            </a:r>
+            <a:r>
+              <a:rPr lang="en-US" dirty="0" err="1"/>
+              <a:t>Jboss</a:t>
+            </a:r>
+            <a:r>
+              <a:rPr lang="en-US" dirty="0"/>
+              <a:t> JPOR, and the NIH</a:t>
+            </a:r>
+          </a:p>
+          <a:p>
+            <a:pPr lvl="1"/>
+            <a:r>
+              <a:rPr lang="en-US" dirty="0"/>
+              <a:t>Full list: </a:t>
+            </a:r>
+            <a:r>
+              <a:rPr lang="en-US" dirty="0">
+                <a:hlinkClick r:id="rId2"/>
+              </a:rPr>
+              <a:t>http://www.h2database.com/html/links.html</a:t>
+            </a:r>
+            <a:endParaRPr lang="en-US" dirty="0"/>
+          </a:p>
+        </p:txBody>
+      </p:sp>
+    </p:spTree>
+    <p:extLst>
+      <p:ext uri="{BB962C8B-B14F-4D97-AF65-F5344CB8AC3E}">
+        <p14:creationId xmlns:p14="http://schemas.microsoft.com/office/powerpoint/2010/main" val="3820546870"/>
+      </p:ext>
+    </p:extLst>
+  </p:cSld>
+  <p:clrMapOvr>
+    <a:masterClrMapping/>
+  </p:clrMapOvr>
+</p:sld>
+</file>
+
+<file path=ppt/slides/slide19.xml><?xml version="1.0" encoding="utf-8"?>
+<p:sld xmlns:a="http://schemas.openxmlformats.org/drawingml/2006/main" xmlns:r="http://schemas.openxmlformats.org/officeDocument/2006/relationships" xmlns:p="http://schemas.openxmlformats.org/presentationml/2006/main">
+  <p:cSld>
+    <p:spTree>
+      <p:nvGrpSpPr>
+        <p:cNvPr id="1" name=""/>
+        <p:cNvGrpSpPr/>
+        <p:nvPr/>
+      </p:nvGrpSpPr>
+      <p:grpSpPr>
+        <a:xfrm>
+          <a:off x="0" y="0"/>
+          <a:ext cx="0" cy="0"/>
+          <a:chOff x="0" y="0"/>
+          <a:chExt cx="0" cy="0"/>
+        </a:xfrm>
+      </p:grpSpPr>
+      <p:sp>
+        <p:nvSpPr>
+          <p:cNvPr id="2" name="Title 1"/>
+          <p:cNvSpPr>
+            <a:spLocks noGrp="1"/>
+          </p:cNvSpPr>
+          <p:nvPr>
+            <p:ph type="title"/>
+          </p:nvPr>
+        </p:nvSpPr>
+        <p:spPr/>
+        <p:txBody>
+          <a:bodyPr/>
+          <a:lstStyle/>
+          <a:p>
+            <a:r>
+              <a:rPr lang="en-US" dirty="0"/>
+              <a:t>JCOZ profile output for h2</a:t>
+            </a:r>
+          </a:p>
+        </p:txBody>
+      </p:sp>
+      <p:pic>
+        <p:nvPicPr>
+          <p:cNvPr id="6" name="Content Placeholder 5"/>
+          <p:cNvPicPr>
+            <a:picLocks noGrp="1" noChangeAspect="1"/>
+          </p:cNvPicPr>
+          <p:nvPr>
+            <p:ph idx="1"/>
+          </p:nvPr>
+        </p:nvPicPr>
+        <p:blipFill>
+          <a:blip r:embed="rId2"/>
+          <a:stretch>
+            <a:fillRect/>
+          </a:stretch>
+        </p:blipFill>
+        <p:spPr>
+          <a:xfrm>
+            <a:off x="2559189" y="2105025"/>
+            <a:ext cx="7007036" cy="4210049"/>
+          </a:xfrm>
+        </p:spPr>
+      </p:pic>
+    </p:spTree>
+    <p:extLst>
+      <p:ext uri="{BB962C8B-B14F-4D97-AF65-F5344CB8AC3E}">
+        <p14:creationId xmlns:p14="http://schemas.microsoft.com/office/powerpoint/2010/main" val="2495587493"/>
+      </p:ext>
+    </p:extLst>
+  </p:cSld>
+  <p:clrMapOvr>
+    <a:masterClrMapping/>
+  </p:clrMapOvr>
+</p:sld>
+</file>
+
 <file path=ppt/slides/slide2.xml><?xml version="1.0" encoding="utf-8"?>
 <p:sld xmlns:a="http://schemas.openxmlformats.org/drawingml/2006/main" xmlns:r="http://schemas.openxmlformats.org/officeDocument/2006/relationships" xmlns:p="http://schemas.openxmlformats.org/presentationml/2006/main">
   <p:cSld>
@@ -5774,6 +6680,880 @@
     <p:extLst>
       <p:ext uri="{BB962C8B-B14F-4D97-AF65-F5344CB8AC3E}">
         <p14:creationId xmlns:p14="http://schemas.microsoft.com/office/powerpoint/2010/main" val="298036285"/>
+      </p:ext>
+    </p:extLst>
+  </p:cSld>
+  <p:clrMapOvr>
+    <a:masterClrMapping/>
+  </p:clrMapOvr>
+</p:sld>
+</file>
+
+<file path=ppt/slides/slide20.xml><?xml version="1.0" encoding="utf-8"?>
+<p:sld xmlns:a="http://schemas.openxmlformats.org/drawingml/2006/main" xmlns:r="http://schemas.openxmlformats.org/officeDocument/2006/relationships" xmlns:p="http://schemas.openxmlformats.org/presentationml/2006/main">
+  <p:cSld>
+    <p:spTree>
+      <p:nvGrpSpPr>
+        <p:cNvPr id="1" name=""/>
+        <p:cNvGrpSpPr/>
+        <p:nvPr/>
+      </p:nvGrpSpPr>
+      <p:grpSpPr>
+        <a:xfrm>
+          <a:off x="0" y="0"/>
+          <a:ext cx="0" cy="0"/>
+          <a:chOff x="0" y="0"/>
+          <a:chExt cx="0" cy="0"/>
+        </a:xfrm>
+      </p:grpSpPr>
+      <p:sp>
+        <p:nvSpPr>
+          <p:cNvPr id="2" name="Title 1"/>
+          <p:cNvSpPr>
+            <a:spLocks noGrp="1"/>
+          </p:cNvSpPr>
+          <p:nvPr>
+            <p:ph type="title"/>
+          </p:nvPr>
+        </p:nvSpPr>
+        <p:spPr>
+          <a:xfrm>
+            <a:off x="1141413" y="46891"/>
+            <a:ext cx="9905998" cy="1905000"/>
+          </a:xfrm>
+        </p:spPr>
+        <p:txBody>
+          <a:bodyPr/>
+          <a:lstStyle/>
+          <a:p>
+            <a:r>
+              <a:rPr lang="en-US" dirty="0"/>
+              <a:t>Profiled line Was excessive sleep on transaction failure</a:t>
+            </a:r>
+          </a:p>
+        </p:txBody>
+      </p:sp>
+      <p:pic>
+        <p:nvPicPr>
+          <p:cNvPr id="4" name="Content Placeholder 3"/>
+          <p:cNvPicPr>
+            <a:picLocks noGrp="1" noChangeAspect="1"/>
+          </p:cNvPicPr>
+          <p:nvPr>
+            <p:ph idx="1"/>
+          </p:nvPr>
+        </p:nvPicPr>
+        <p:blipFill>
+          <a:blip r:embed="rId2"/>
+          <a:stretch>
+            <a:fillRect/>
+          </a:stretch>
+        </p:blipFill>
+        <p:spPr>
+          <a:xfrm>
+            <a:off x="3329639" y="1802423"/>
+            <a:ext cx="5480987" cy="4810730"/>
+          </a:xfrm>
+        </p:spPr>
+      </p:pic>
+    </p:spTree>
+    <p:extLst>
+      <p:ext uri="{BB962C8B-B14F-4D97-AF65-F5344CB8AC3E}">
+        <p14:creationId xmlns:p14="http://schemas.microsoft.com/office/powerpoint/2010/main" val="622247742"/>
+      </p:ext>
+    </p:extLst>
+  </p:cSld>
+  <p:clrMapOvr>
+    <a:masterClrMapping/>
+  </p:clrMapOvr>
+</p:sld>
+</file>
+
+<file path=ppt/slides/slide21.xml><?xml version="1.0" encoding="utf-8"?>
+<p:sld xmlns:a="http://schemas.openxmlformats.org/drawingml/2006/main" xmlns:r="http://schemas.openxmlformats.org/officeDocument/2006/relationships" xmlns:p="http://schemas.openxmlformats.org/presentationml/2006/main">
+  <p:cSld>
+    <p:spTree>
+      <p:nvGrpSpPr>
+        <p:cNvPr id="1" name=""/>
+        <p:cNvGrpSpPr/>
+        <p:nvPr/>
+      </p:nvGrpSpPr>
+      <p:grpSpPr>
+        <a:xfrm>
+          <a:off x="0" y="0"/>
+          <a:ext cx="0" cy="0"/>
+          <a:chOff x="0" y="0"/>
+          <a:chExt cx="0" cy="0"/>
+        </a:xfrm>
+      </p:grpSpPr>
+      <p:sp>
+        <p:nvSpPr>
+          <p:cNvPr id="2" name="Title 1"/>
+          <p:cNvSpPr>
+            <a:spLocks noGrp="1"/>
+          </p:cNvSpPr>
+          <p:nvPr>
+            <p:ph type="title"/>
+          </p:nvPr>
+        </p:nvSpPr>
+        <p:spPr>
+          <a:xfrm>
+            <a:off x="1141413" y="183172"/>
+            <a:ext cx="9905998" cy="1038225"/>
+          </a:xfrm>
+        </p:spPr>
+        <p:txBody>
+          <a:bodyPr/>
+          <a:lstStyle/>
+          <a:p>
+            <a:r>
+              <a:rPr lang="en-US" dirty="0"/>
+              <a:t>Simple fix – sleep for less time</a:t>
+            </a:r>
+          </a:p>
+        </p:txBody>
+      </p:sp>
+      <p:pic>
+        <p:nvPicPr>
+          <p:cNvPr id="4" name="Content Placeholder 3"/>
+          <p:cNvPicPr>
+            <a:picLocks noGrp="1" noChangeAspect="1"/>
+          </p:cNvPicPr>
+          <p:nvPr>
+            <p:ph idx="1"/>
+          </p:nvPr>
+        </p:nvPicPr>
+        <p:blipFill>
+          <a:blip r:embed="rId2"/>
+          <a:stretch>
+            <a:fillRect/>
+          </a:stretch>
+        </p:blipFill>
+        <p:spPr>
+          <a:xfrm>
+            <a:off x="2894516" y="1476375"/>
+            <a:ext cx="5853830" cy="5035783"/>
+          </a:xfrm>
+        </p:spPr>
+      </p:pic>
+    </p:spTree>
+    <p:extLst>
+      <p:ext uri="{BB962C8B-B14F-4D97-AF65-F5344CB8AC3E}">
+        <p14:creationId xmlns:p14="http://schemas.microsoft.com/office/powerpoint/2010/main" val="2071106270"/>
+      </p:ext>
+    </p:extLst>
+  </p:cSld>
+  <p:clrMapOvr>
+    <a:masterClrMapping/>
+  </p:clrMapOvr>
+</p:sld>
+</file>
+
+<file path=ppt/slides/slide22.xml><?xml version="1.0" encoding="utf-8"?>
+<p:sld xmlns:a="http://schemas.openxmlformats.org/drawingml/2006/main" xmlns:r="http://schemas.openxmlformats.org/officeDocument/2006/relationships" xmlns:p="http://schemas.openxmlformats.org/presentationml/2006/main">
+  <p:cSld>
+    <p:spTree>
+      <p:nvGrpSpPr>
+        <p:cNvPr id="1" name=""/>
+        <p:cNvGrpSpPr/>
+        <p:nvPr/>
+      </p:nvGrpSpPr>
+      <p:grpSpPr>
+        <a:xfrm>
+          <a:off x="0" y="0"/>
+          <a:ext cx="0" cy="0"/>
+          <a:chOff x="0" y="0"/>
+          <a:chExt cx="0" cy="0"/>
+        </a:xfrm>
+      </p:grpSpPr>
+      <p:sp>
+        <p:nvSpPr>
+          <p:cNvPr id="2" name="Title 1"/>
+          <p:cNvSpPr>
+            <a:spLocks noGrp="1"/>
+          </p:cNvSpPr>
+          <p:nvPr>
+            <p:ph type="title"/>
+          </p:nvPr>
+        </p:nvSpPr>
+        <p:spPr/>
+        <p:txBody>
+          <a:bodyPr/>
+          <a:lstStyle/>
+          <a:p>
+            <a:r>
+              <a:rPr lang="en-US" dirty="0"/>
+              <a:t>Optimization successful – 20% speedup</a:t>
+            </a:r>
+          </a:p>
+        </p:txBody>
+      </p:sp>
+      <p:pic>
+        <p:nvPicPr>
+          <p:cNvPr id="4" name="Content Placeholder 3"/>
+          <p:cNvPicPr>
+            <a:picLocks noGrp="1" noChangeAspect="1"/>
+          </p:cNvPicPr>
+          <p:nvPr>
+            <p:ph idx="1"/>
+          </p:nvPr>
+        </p:nvPicPr>
+        <p:blipFill>
+          <a:blip r:embed="rId2"/>
+          <a:stretch>
+            <a:fillRect/>
+          </a:stretch>
+        </p:blipFill>
+        <p:spPr>
+          <a:xfrm>
+            <a:off x="2705100" y="2195512"/>
+            <a:ext cx="6953250" cy="4171949"/>
+          </a:xfrm>
+        </p:spPr>
+      </p:pic>
+    </p:spTree>
+    <p:extLst>
+      <p:ext uri="{BB962C8B-B14F-4D97-AF65-F5344CB8AC3E}">
+        <p14:creationId xmlns:p14="http://schemas.microsoft.com/office/powerpoint/2010/main" val="1219782768"/>
+      </p:ext>
+    </p:extLst>
+  </p:cSld>
+  <p:clrMapOvr>
+    <a:masterClrMapping/>
+  </p:clrMapOvr>
+</p:sld>
+</file>
+
+<file path=ppt/slides/slide23.xml><?xml version="1.0" encoding="utf-8"?>
+<p:sld xmlns:a="http://schemas.openxmlformats.org/drawingml/2006/main" xmlns:r="http://schemas.openxmlformats.org/officeDocument/2006/relationships" xmlns:p="http://schemas.openxmlformats.org/presentationml/2006/main">
+  <p:cSld>
+    <p:spTree>
+      <p:nvGrpSpPr>
+        <p:cNvPr id="1" name=""/>
+        <p:cNvGrpSpPr/>
+        <p:nvPr/>
+      </p:nvGrpSpPr>
+      <p:grpSpPr>
+        <a:xfrm>
+          <a:off x="0" y="0"/>
+          <a:ext cx="0" cy="0"/>
+          <a:chOff x="0" y="0"/>
+          <a:chExt cx="0" cy="0"/>
+        </a:xfrm>
+      </p:grpSpPr>
+      <p:sp>
+        <p:nvSpPr>
+          <p:cNvPr id="2" name="Title 1"/>
+          <p:cNvSpPr>
+            <a:spLocks noGrp="1"/>
+          </p:cNvSpPr>
+          <p:nvPr>
+            <p:ph type="title"/>
+          </p:nvPr>
+        </p:nvSpPr>
+        <p:spPr/>
+        <p:txBody>
+          <a:bodyPr/>
+          <a:lstStyle/>
+          <a:p>
+            <a:r>
+              <a:rPr lang="en-US" dirty="0"/>
+              <a:t>JCOZ lived up to its promise</a:t>
+            </a:r>
+          </a:p>
+        </p:txBody>
+      </p:sp>
+      <p:sp>
+        <p:nvSpPr>
+          <p:cNvPr id="3" name="Content Placeholder 2"/>
+          <p:cNvSpPr>
+            <a:spLocks noGrp="1"/>
+          </p:cNvSpPr>
+          <p:nvPr>
+            <p:ph idx="1"/>
+          </p:nvPr>
+        </p:nvSpPr>
+        <p:spPr/>
+        <p:txBody>
+          <a:bodyPr>
+            <a:normAutofit fontScale="77500" lnSpcReduction="20000"/>
+          </a:bodyPr>
+          <a:lstStyle/>
+          <a:p>
+            <a:r>
+              <a:rPr lang="en-US" dirty="0"/>
+              <a:t>No prior knowledge of codebase needed</a:t>
+            </a:r>
+          </a:p>
+          <a:p>
+            <a:r>
+              <a:rPr lang="en-US" dirty="0"/>
+              <a:t>Pointed to the exact line of bottleneck</a:t>
+            </a:r>
+          </a:p>
+          <a:p>
+            <a:r>
+              <a:rPr lang="en-US" dirty="0"/>
+              <a:t>Optimization was not made obvious using other profilers</a:t>
+            </a:r>
+          </a:p>
+          <a:p>
+            <a:pPr lvl="1"/>
+            <a:r>
+              <a:rPr lang="en-US" dirty="0"/>
+              <a:t>HPROF did not indicate any optimization opportunity whatsoever for that line (doesn’t even list the function in its output)</a:t>
+            </a:r>
+          </a:p>
+          <a:p>
+            <a:pPr lvl="1"/>
+            <a:r>
+              <a:rPr lang="en-US" dirty="0"/>
+              <a:t>Function containing the bottleneck was ranked as #2 runtime overhead in </a:t>
+            </a:r>
+            <a:r>
+              <a:rPr lang="en-US" dirty="0" err="1"/>
+              <a:t>JVisualVM</a:t>
+            </a:r>
+            <a:r>
+              <a:rPr lang="en-US" dirty="0"/>
+              <a:t>, but line number of bottleneck was not given</a:t>
+            </a:r>
+          </a:p>
+          <a:p>
+            <a:pPr lvl="1"/>
+            <a:endParaRPr lang="en-US" dirty="0"/>
+          </a:p>
+          <a:p>
+            <a:r>
+              <a:rPr lang="en-US" dirty="0"/>
+              <a:t>Issue: Overall speedup % obtained did not exactly match overall speedup % predicted by JCOZ</a:t>
+            </a:r>
+          </a:p>
+          <a:p>
+            <a:pPr lvl="1"/>
+            <a:r>
+              <a:rPr lang="en-US" dirty="0"/>
+              <a:t>Optimization about 10% faster than expected for line speedup % implemented</a:t>
+            </a:r>
+          </a:p>
+          <a:p>
+            <a:pPr lvl="1"/>
+            <a:r>
+              <a:rPr lang="en-US" dirty="0"/>
+              <a:t>Likely due to variance in Java / existing bugs in JCOZ</a:t>
+            </a:r>
+          </a:p>
+        </p:txBody>
+      </p:sp>
+    </p:spTree>
+    <p:extLst>
+      <p:ext uri="{BB962C8B-B14F-4D97-AF65-F5344CB8AC3E}">
+        <p14:creationId xmlns:p14="http://schemas.microsoft.com/office/powerpoint/2010/main" val="1012506171"/>
+      </p:ext>
+    </p:extLst>
+  </p:cSld>
+  <p:clrMapOvr>
+    <a:masterClrMapping/>
+  </p:clrMapOvr>
+</p:sld>
+</file>
+
+<file path=ppt/slides/slide24.xml><?xml version="1.0" encoding="utf-8"?>
+<p:sld xmlns:a="http://schemas.openxmlformats.org/drawingml/2006/main" xmlns:r="http://schemas.openxmlformats.org/officeDocument/2006/relationships" xmlns:p="http://schemas.openxmlformats.org/presentationml/2006/main">
+  <p:cSld>
+    <p:spTree>
+      <p:nvGrpSpPr>
+        <p:cNvPr id="1" name=""/>
+        <p:cNvGrpSpPr/>
+        <p:nvPr/>
+      </p:nvGrpSpPr>
+      <p:grpSpPr>
+        <a:xfrm>
+          <a:off x="0" y="0"/>
+          <a:ext cx="0" cy="0"/>
+          <a:chOff x="0" y="0"/>
+          <a:chExt cx="0" cy="0"/>
+        </a:xfrm>
+      </p:grpSpPr>
+      <p:sp>
+        <p:nvSpPr>
+          <p:cNvPr id="2" name="Title 1"/>
+          <p:cNvSpPr>
+            <a:spLocks noGrp="1"/>
+          </p:cNvSpPr>
+          <p:nvPr>
+            <p:ph type="title"/>
+          </p:nvPr>
+        </p:nvSpPr>
+        <p:spPr/>
+        <p:txBody>
+          <a:bodyPr/>
+          <a:lstStyle/>
+          <a:p>
+            <a:r>
+              <a:rPr lang="en-US" dirty="0"/>
+              <a:t>JCOZ runtime overhead</a:t>
+            </a:r>
+          </a:p>
+        </p:txBody>
+      </p:sp>
+      <p:sp>
+        <p:nvSpPr>
+          <p:cNvPr id="3" name="Text Placeholder 2"/>
+          <p:cNvSpPr>
+            <a:spLocks noGrp="1"/>
+          </p:cNvSpPr>
+          <p:nvPr>
+            <p:ph type="body" idx="1"/>
+          </p:nvPr>
+        </p:nvSpPr>
+        <p:spPr/>
+        <p:txBody>
+          <a:bodyPr/>
+          <a:lstStyle/>
+          <a:p>
+            <a:endParaRPr lang="en-US" dirty="0"/>
+          </a:p>
+        </p:txBody>
+      </p:sp>
+    </p:spTree>
+    <p:extLst>
+      <p:ext uri="{BB962C8B-B14F-4D97-AF65-F5344CB8AC3E}">
+        <p14:creationId xmlns:p14="http://schemas.microsoft.com/office/powerpoint/2010/main" val="2383257209"/>
+      </p:ext>
+    </p:extLst>
+  </p:cSld>
+  <p:clrMapOvr>
+    <a:masterClrMapping/>
+  </p:clrMapOvr>
+</p:sld>
+</file>
+
+<file path=ppt/slides/slide25.xml><?xml version="1.0" encoding="utf-8"?>
+<p:sld xmlns:a="http://schemas.openxmlformats.org/drawingml/2006/main" xmlns:r="http://schemas.openxmlformats.org/officeDocument/2006/relationships" xmlns:p="http://schemas.openxmlformats.org/presentationml/2006/main">
+  <p:cSld>
+    <p:spTree>
+      <p:nvGrpSpPr>
+        <p:cNvPr id="1" name=""/>
+        <p:cNvGrpSpPr/>
+        <p:nvPr/>
+      </p:nvGrpSpPr>
+      <p:grpSpPr>
+        <a:xfrm>
+          <a:off x="0" y="0"/>
+          <a:ext cx="0" cy="0"/>
+          <a:chOff x="0" y="0"/>
+          <a:chExt cx="0" cy="0"/>
+        </a:xfrm>
+      </p:grpSpPr>
+      <p:sp>
+        <p:nvSpPr>
+          <p:cNvPr id="4" name="Title 3"/>
+          <p:cNvSpPr>
+            <a:spLocks noGrp="1"/>
+          </p:cNvSpPr>
+          <p:nvPr>
+            <p:ph type="title"/>
+          </p:nvPr>
+        </p:nvSpPr>
+        <p:spPr/>
+        <p:txBody>
+          <a:bodyPr/>
+          <a:lstStyle/>
+          <a:p>
+            <a:r>
+              <a:rPr lang="en-US" dirty="0"/>
+              <a:t>Runtime overhead is important for profilers</a:t>
+            </a:r>
+          </a:p>
+        </p:txBody>
+      </p:sp>
+      <p:sp>
+        <p:nvSpPr>
+          <p:cNvPr id="5" name="Content Placeholder 4"/>
+          <p:cNvSpPr>
+            <a:spLocks noGrp="1"/>
+          </p:cNvSpPr>
+          <p:nvPr>
+            <p:ph idx="1"/>
+          </p:nvPr>
+        </p:nvSpPr>
+        <p:spPr/>
+        <p:txBody>
+          <a:bodyPr/>
+          <a:lstStyle/>
+          <a:p>
+            <a:r>
+              <a:rPr lang="en-US" dirty="0"/>
+              <a:t>Waiting for a really slow profiler is very tedious and time consuming</a:t>
+            </a:r>
+          </a:p>
+          <a:p>
+            <a:r>
+              <a:rPr lang="en-US" dirty="0"/>
+              <a:t>Can often return incorrect results by masking true functionality / performance of program when run without profiler</a:t>
+            </a:r>
+          </a:p>
+          <a:p>
+            <a:r>
+              <a:rPr lang="en-US" dirty="0"/>
+              <a:t>Wait time can literally be hours</a:t>
+            </a:r>
+          </a:p>
+          <a:p>
+            <a:pPr lvl="1"/>
+            <a:r>
+              <a:rPr lang="en-US" dirty="0"/>
+              <a:t>Tried to profile H2 using HPROF’s CPU timing profiler – essentially no progress had been made after an hour</a:t>
+            </a:r>
+          </a:p>
+          <a:p>
+            <a:endParaRPr lang="en-US" dirty="0"/>
+          </a:p>
+        </p:txBody>
+      </p:sp>
+    </p:spTree>
+    <p:extLst>
+      <p:ext uri="{BB962C8B-B14F-4D97-AF65-F5344CB8AC3E}">
+        <p14:creationId xmlns:p14="http://schemas.microsoft.com/office/powerpoint/2010/main" val="3529418748"/>
+      </p:ext>
+    </p:extLst>
+  </p:cSld>
+  <p:clrMapOvr>
+    <a:masterClrMapping/>
+  </p:clrMapOvr>
+</p:sld>
+</file>
+
+<file path=ppt/slides/slide26.xml><?xml version="1.0" encoding="utf-8"?>
+<p:sld xmlns:a="http://schemas.openxmlformats.org/drawingml/2006/main" xmlns:r="http://schemas.openxmlformats.org/officeDocument/2006/relationships" xmlns:p="http://schemas.openxmlformats.org/presentationml/2006/main">
+  <p:cSld>
+    <p:spTree>
+      <p:nvGrpSpPr>
+        <p:cNvPr id="1" name=""/>
+        <p:cNvGrpSpPr/>
+        <p:nvPr/>
+      </p:nvGrpSpPr>
+      <p:grpSpPr>
+        <a:xfrm>
+          <a:off x="0" y="0"/>
+          <a:ext cx="0" cy="0"/>
+          <a:chOff x="0" y="0"/>
+          <a:chExt cx="0" cy="0"/>
+        </a:xfrm>
+      </p:grpSpPr>
+      <p:sp>
+        <p:nvSpPr>
+          <p:cNvPr id="2" name="Title 1"/>
+          <p:cNvSpPr>
+            <a:spLocks noGrp="1"/>
+          </p:cNvSpPr>
+          <p:nvPr>
+            <p:ph type="title"/>
+          </p:nvPr>
+        </p:nvSpPr>
+        <p:spPr/>
+        <p:txBody>
+          <a:bodyPr/>
+          <a:lstStyle/>
+          <a:p>
+            <a:r>
+              <a:rPr lang="en-US" dirty="0"/>
+              <a:t>JCOZ is lightweight</a:t>
+            </a:r>
+          </a:p>
+        </p:txBody>
+      </p:sp>
+      <p:sp>
+        <p:nvSpPr>
+          <p:cNvPr id="3" name="Content Placeholder 2"/>
+          <p:cNvSpPr>
+            <a:spLocks noGrp="1"/>
+          </p:cNvSpPr>
+          <p:nvPr>
+            <p:ph idx="1"/>
+          </p:nvPr>
+        </p:nvSpPr>
+        <p:spPr/>
+        <p:txBody>
+          <a:bodyPr/>
+          <a:lstStyle/>
+          <a:p>
+            <a:r>
+              <a:rPr lang="en-US" dirty="0"/>
+              <a:t>Uses sampling to avoid excessive overhead on the CPU</a:t>
+            </a:r>
+          </a:p>
+          <a:p>
+            <a:r>
+              <a:rPr lang="en-US" dirty="0"/>
+              <a:t>Each thread checks its own stack trace in a signal handler – happens in parallel</a:t>
+            </a:r>
+          </a:p>
+          <a:p>
+            <a:r>
+              <a:rPr lang="en-US" dirty="0"/>
+              <a:t>JCOZ written in C++ -- uses low-impact functions for freezing threads such as </a:t>
+            </a:r>
+            <a:r>
+              <a:rPr lang="en-US" dirty="0" err="1"/>
+              <a:t>nanosleep</a:t>
+            </a:r>
+            <a:endParaRPr lang="en-US" dirty="0"/>
+          </a:p>
+        </p:txBody>
+      </p:sp>
+    </p:spTree>
+    <p:extLst>
+      <p:ext uri="{BB962C8B-B14F-4D97-AF65-F5344CB8AC3E}">
+        <p14:creationId xmlns:p14="http://schemas.microsoft.com/office/powerpoint/2010/main" val="1203783936"/>
+      </p:ext>
+    </p:extLst>
+  </p:cSld>
+  <p:clrMapOvr>
+    <a:masterClrMapping/>
+  </p:clrMapOvr>
+</p:sld>
+</file>
+
+<file path=ppt/slides/slide27.xml><?xml version="1.0" encoding="utf-8"?>
+<p:sld xmlns:a="http://schemas.openxmlformats.org/drawingml/2006/main" xmlns:r="http://schemas.openxmlformats.org/officeDocument/2006/relationships" xmlns:p="http://schemas.openxmlformats.org/presentationml/2006/main">
+  <p:cSld>
+    <p:spTree>
+      <p:nvGrpSpPr>
+        <p:cNvPr id="1" name=""/>
+        <p:cNvGrpSpPr/>
+        <p:nvPr/>
+      </p:nvGrpSpPr>
+      <p:grpSpPr>
+        <a:xfrm>
+          <a:off x="0" y="0"/>
+          <a:ext cx="0" cy="0"/>
+          <a:chOff x="0" y="0"/>
+          <a:chExt cx="0" cy="0"/>
+        </a:xfrm>
+      </p:grpSpPr>
+      <p:sp>
+        <p:nvSpPr>
+          <p:cNvPr id="2" name="Title 1"/>
+          <p:cNvSpPr>
+            <a:spLocks noGrp="1"/>
+          </p:cNvSpPr>
+          <p:nvPr>
+            <p:ph type="title"/>
+          </p:nvPr>
+        </p:nvSpPr>
+        <p:spPr>
+          <a:xfrm>
+            <a:off x="1141413" y="249115"/>
+            <a:ext cx="9905998" cy="1905000"/>
+          </a:xfrm>
+        </p:spPr>
+        <p:txBody>
+          <a:bodyPr/>
+          <a:lstStyle/>
+          <a:p>
+            <a:r>
+              <a:rPr lang="en-US" dirty="0" err="1"/>
+              <a:t>Jcoz</a:t>
+            </a:r>
+            <a:r>
+              <a:rPr lang="en-US" dirty="0"/>
+              <a:t> runtime overhead matches other sampling profilers</a:t>
+            </a:r>
+          </a:p>
+        </p:txBody>
+      </p:sp>
+      <p:pic>
+        <p:nvPicPr>
+          <p:cNvPr id="6" name="Content Placeholder 5"/>
+          <p:cNvPicPr>
+            <a:picLocks noGrp="1" noChangeAspect="1"/>
+          </p:cNvPicPr>
+          <p:nvPr>
+            <p:ph idx="1"/>
+          </p:nvPr>
+        </p:nvPicPr>
+        <p:blipFill>
+          <a:blip r:embed="rId2"/>
+          <a:stretch>
+            <a:fillRect/>
+          </a:stretch>
+        </p:blipFill>
+        <p:spPr>
+          <a:xfrm>
+            <a:off x="2360877" y="1981200"/>
+            <a:ext cx="7326047" cy="4410891"/>
+          </a:xfrm>
+        </p:spPr>
+      </p:pic>
+    </p:spTree>
+    <p:extLst>
+      <p:ext uri="{BB962C8B-B14F-4D97-AF65-F5344CB8AC3E}">
+        <p14:creationId xmlns:p14="http://schemas.microsoft.com/office/powerpoint/2010/main" val="3450403237"/>
+      </p:ext>
+    </p:extLst>
+  </p:cSld>
+  <p:clrMapOvr>
+    <a:masterClrMapping/>
+  </p:clrMapOvr>
+</p:sld>
+</file>
+
+<file path=ppt/slides/slide28.xml><?xml version="1.0" encoding="utf-8"?>
+<p:sld xmlns:a="http://schemas.openxmlformats.org/drawingml/2006/main" xmlns:r="http://schemas.openxmlformats.org/officeDocument/2006/relationships" xmlns:p="http://schemas.openxmlformats.org/presentationml/2006/main">
+  <p:cSld>
+    <p:spTree>
+      <p:nvGrpSpPr>
+        <p:cNvPr id="1" name=""/>
+        <p:cNvGrpSpPr/>
+        <p:nvPr/>
+      </p:nvGrpSpPr>
+      <p:grpSpPr>
+        <a:xfrm>
+          <a:off x="0" y="0"/>
+          <a:ext cx="0" cy="0"/>
+          <a:chOff x="0" y="0"/>
+          <a:chExt cx="0" cy="0"/>
+        </a:xfrm>
+      </p:grpSpPr>
+      <p:sp>
+        <p:nvSpPr>
+          <p:cNvPr id="2" name="Title 1"/>
+          <p:cNvSpPr>
+            <a:spLocks noGrp="1"/>
+          </p:cNvSpPr>
+          <p:nvPr>
+            <p:ph type="title"/>
+          </p:nvPr>
+        </p:nvSpPr>
+        <p:spPr/>
+        <p:txBody>
+          <a:bodyPr/>
+          <a:lstStyle/>
+          <a:p>
+            <a:r>
+              <a:rPr lang="en-US" dirty="0"/>
+              <a:t>summary</a:t>
+            </a:r>
+          </a:p>
+        </p:txBody>
+      </p:sp>
+      <p:sp>
+        <p:nvSpPr>
+          <p:cNvPr id="3" name="Text Placeholder 2"/>
+          <p:cNvSpPr>
+            <a:spLocks noGrp="1"/>
+          </p:cNvSpPr>
+          <p:nvPr>
+            <p:ph type="body" idx="1"/>
+          </p:nvPr>
+        </p:nvSpPr>
+        <p:spPr/>
+        <p:txBody>
+          <a:bodyPr/>
+          <a:lstStyle/>
+          <a:p>
+            <a:endParaRPr lang="en-US" dirty="0"/>
+          </a:p>
+        </p:txBody>
+      </p:sp>
+    </p:spTree>
+    <p:extLst>
+      <p:ext uri="{BB962C8B-B14F-4D97-AF65-F5344CB8AC3E}">
+        <p14:creationId xmlns:p14="http://schemas.microsoft.com/office/powerpoint/2010/main" val="2074043035"/>
+      </p:ext>
+    </p:extLst>
+  </p:cSld>
+  <p:clrMapOvr>
+    <a:masterClrMapping/>
+  </p:clrMapOvr>
+</p:sld>
+</file>
+
+<file path=ppt/slides/slide29.xml><?xml version="1.0" encoding="utf-8"?>
+<p:sld xmlns:a="http://schemas.openxmlformats.org/drawingml/2006/main" xmlns:r="http://schemas.openxmlformats.org/officeDocument/2006/relationships" xmlns:p="http://schemas.openxmlformats.org/presentationml/2006/main">
+  <p:cSld>
+    <p:spTree>
+      <p:nvGrpSpPr>
+        <p:cNvPr id="1" name=""/>
+        <p:cNvGrpSpPr/>
+        <p:nvPr/>
+      </p:nvGrpSpPr>
+      <p:grpSpPr>
+        <a:xfrm>
+          <a:off x="0" y="0"/>
+          <a:ext cx="0" cy="0"/>
+          <a:chOff x="0" y="0"/>
+          <a:chExt cx="0" cy="0"/>
+        </a:xfrm>
+      </p:grpSpPr>
+      <p:sp>
+        <p:nvSpPr>
+          <p:cNvPr id="4" name="Title 3"/>
+          <p:cNvSpPr>
+            <a:spLocks noGrp="1"/>
+          </p:cNvSpPr>
+          <p:nvPr>
+            <p:ph type="title"/>
+          </p:nvPr>
+        </p:nvSpPr>
+        <p:spPr/>
+        <p:txBody>
+          <a:bodyPr/>
+          <a:lstStyle/>
+          <a:p>
+            <a:r>
+              <a:rPr lang="en-US" dirty="0"/>
+              <a:t>JCOZ works!</a:t>
+            </a:r>
+          </a:p>
+        </p:txBody>
+      </p:sp>
+      <p:sp>
+        <p:nvSpPr>
+          <p:cNvPr id="5" name="Content Placeholder 4"/>
+          <p:cNvSpPr>
+            <a:spLocks noGrp="1"/>
+          </p:cNvSpPr>
+          <p:nvPr>
+            <p:ph idx="1"/>
+          </p:nvPr>
+        </p:nvSpPr>
+        <p:spPr/>
+        <p:txBody>
+          <a:bodyPr/>
+          <a:lstStyle/>
+          <a:p>
+            <a:r>
+              <a:rPr lang="en-US" dirty="0"/>
+              <a:t>Solves serious problems with existing Java profilers</a:t>
+            </a:r>
+          </a:p>
+          <a:p>
+            <a:r>
+              <a:rPr lang="en-US" dirty="0"/>
+              <a:t>Exposes accurate optimization opportunities for multithreaded programs</a:t>
+            </a:r>
+          </a:p>
+          <a:p>
+            <a:r>
+              <a:rPr lang="en-US" dirty="0"/>
+              <a:t>Low runtime overhead</a:t>
+            </a:r>
+          </a:p>
+          <a:p>
+            <a:r>
+              <a:rPr lang="en-US" dirty="0"/>
+              <a:t>JCOZ is the first causal Java profiler!</a:t>
+            </a:r>
+          </a:p>
+        </p:txBody>
+      </p:sp>
+    </p:spTree>
+    <p:extLst>
+      <p:ext uri="{BB962C8B-B14F-4D97-AF65-F5344CB8AC3E}">
+        <p14:creationId xmlns:p14="http://schemas.microsoft.com/office/powerpoint/2010/main" val="1591853420"/>
       </p:ext>
     </p:extLst>
   </p:cSld>
@@ -5845,6 +7625,12 @@
           <a:p>
             <a:r>
               <a:rPr lang="en-US" dirty="0"/>
+              <a:t>Addresses pitfalls of traditional instrumentation and sampling profilers in profiling multithreaded programs</a:t>
+            </a:r>
+          </a:p>
+          <a:p>
+            <a:r>
+              <a:rPr lang="en-US" dirty="0"/>
               <a:t>Uses “virtual speedup” to simulate how speeding up a line of code would improve overall program runtime and throughput</a:t>
             </a:r>
           </a:p>
@@ -5884,6 +7670,327 @@
     <p:extLst>
       <p:ext uri="{BB962C8B-B14F-4D97-AF65-F5344CB8AC3E}">
         <p14:creationId xmlns:p14="http://schemas.microsoft.com/office/powerpoint/2010/main" val="3571021351"/>
+      </p:ext>
+    </p:extLst>
+  </p:cSld>
+  <p:clrMapOvr>
+    <a:masterClrMapping/>
+  </p:clrMapOvr>
+</p:sld>
+</file>
+
+<file path=ppt/slides/slide30.xml><?xml version="1.0" encoding="utf-8"?>
+<p:sld xmlns:a="http://schemas.openxmlformats.org/drawingml/2006/main" xmlns:r="http://schemas.openxmlformats.org/officeDocument/2006/relationships" xmlns:p="http://schemas.openxmlformats.org/presentationml/2006/main">
+  <p:cSld>
+    <p:spTree>
+      <p:nvGrpSpPr>
+        <p:cNvPr id="1" name=""/>
+        <p:cNvGrpSpPr/>
+        <p:nvPr/>
+      </p:nvGrpSpPr>
+      <p:grpSpPr>
+        <a:xfrm>
+          <a:off x="0" y="0"/>
+          <a:ext cx="0" cy="0"/>
+          <a:chOff x="0" y="0"/>
+          <a:chExt cx="0" cy="0"/>
+        </a:xfrm>
+      </p:grpSpPr>
+      <p:sp>
+        <p:nvSpPr>
+          <p:cNvPr id="2" name="Title 1"/>
+          <p:cNvSpPr>
+            <a:spLocks noGrp="1"/>
+          </p:cNvSpPr>
+          <p:nvPr>
+            <p:ph type="title"/>
+          </p:nvPr>
+        </p:nvSpPr>
+        <p:spPr/>
+        <p:txBody>
+          <a:bodyPr/>
+          <a:lstStyle/>
+          <a:p>
+            <a:r>
+              <a:rPr lang="en-US" dirty="0"/>
+              <a:t>Future work</a:t>
+            </a:r>
+          </a:p>
+        </p:txBody>
+      </p:sp>
+      <p:sp>
+        <p:nvSpPr>
+          <p:cNvPr id="3" name="Content Placeholder 2"/>
+          <p:cNvSpPr>
+            <a:spLocks noGrp="1"/>
+          </p:cNvSpPr>
+          <p:nvPr>
+            <p:ph idx="1"/>
+          </p:nvPr>
+        </p:nvSpPr>
+        <p:spPr>
+          <a:xfrm>
+            <a:off x="1141413" y="2666999"/>
+            <a:ext cx="9905998" cy="3637086"/>
+          </a:xfrm>
+        </p:spPr>
+        <p:txBody>
+          <a:bodyPr>
+            <a:normAutofit fontScale="92500" lnSpcReduction="20000"/>
+          </a:bodyPr>
+          <a:lstStyle/>
+          <a:p>
+            <a:r>
+              <a:rPr lang="en-US" dirty="0"/>
+              <a:t>Optimize JCOZ to improve accuracy</a:t>
+            </a:r>
+          </a:p>
+          <a:p>
+            <a:pPr lvl="1"/>
+            <a:r>
+              <a:rPr lang="en-US" dirty="0"/>
+              <a:t>Don’t accrue sleep debt when waiting on a lock</a:t>
+            </a:r>
+          </a:p>
+          <a:p>
+            <a:pPr lvl="1"/>
+            <a:r>
+              <a:rPr lang="en-US" dirty="0"/>
+              <a:t>Inherit parent’s sleep debt – currently assuming no sleep owed on thread creation</a:t>
+            </a:r>
+          </a:p>
+          <a:p>
+            <a:r>
+              <a:rPr lang="en-US" dirty="0"/>
+              <a:t>Continue optimizing libraries</a:t>
+            </a:r>
+          </a:p>
+          <a:p>
+            <a:pPr lvl="1"/>
+            <a:r>
+              <a:rPr lang="en-US" dirty="0"/>
+              <a:t>Another optimization opportunity discovered in the Universal Java Matrix Package (UJMP) (poor cache locality on dense matrix multiplication)</a:t>
+            </a:r>
+          </a:p>
+          <a:p>
+            <a:r>
+              <a:rPr lang="en-US" dirty="0"/>
+              <a:t>Add more features for tuning profiler</a:t>
+            </a:r>
+          </a:p>
+          <a:p>
+            <a:pPr lvl="1"/>
+            <a:r>
+              <a:rPr lang="en-US" dirty="0"/>
+              <a:t>Cooldown period</a:t>
+            </a:r>
+          </a:p>
+          <a:p>
+            <a:pPr lvl="1"/>
+            <a:r>
+              <a:rPr lang="en-US" dirty="0"/>
+              <a:t>Listing multiple progress points (points where we measure throughput)</a:t>
+            </a:r>
+          </a:p>
+          <a:p>
+            <a:r>
+              <a:rPr lang="en-US" dirty="0"/>
+              <a:t>Research ways to extend causal profiling to multi-process and distributed applications</a:t>
+            </a:r>
+          </a:p>
+          <a:p>
+            <a:pPr lvl="1"/>
+            <a:endParaRPr lang="en-US" dirty="0"/>
+          </a:p>
+        </p:txBody>
+      </p:sp>
+    </p:spTree>
+    <p:extLst>
+      <p:ext uri="{BB962C8B-B14F-4D97-AF65-F5344CB8AC3E}">
+        <p14:creationId xmlns:p14="http://schemas.microsoft.com/office/powerpoint/2010/main" val="96013819"/>
+      </p:ext>
+    </p:extLst>
+  </p:cSld>
+  <p:clrMapOvr>
+    <a:masterClrMapping/>
+  </p:clrMapOvr>
+</p:sld>
+</file>
+
+<file path=ppt/slides/slide31.xml><?xml version="1.0" encoding="utf-8"?>
+<p:sld xmlns:a="http://schemas.openxmlformats.org/drawingml/2006/main" xmlns:r="http://schemas.openxmlformats.org/officeDocument/2006/relationships" xmlns:p="http://schemas.openxmlformats.org/presentationml/2006/main">
+  <p:cSld>
+    <p:spTree>
+      <p:nvGrpSpPr>
+        <p:cNvPr id="1" name=""/>
+        <p:cNvGrpSpPr/>
+        <p:nvPr/>
+      </p:nvGrpSpPr>
+      <p:grpSpPr>
+        <a:xfrm>
+          <a:off x="0" y="0"/>
+          <a:ext cx="0" cy="0"/>
+          <a:chOff x="0" y="0"/>
+          <a:chExt cx="0" cy="0"/>
+        </a:xfrm>
+      </p:grpSpPr>
+      <p:sp>
+        <p:nvSpPr>
+          <p:cNvPr id="2" name="Title 1"/>
+          <p:cNvSpPr>
+            <a:spLocks noGrp="1"/>
+          </p:cNvSpPr>
+          <p:nvPr>
+            <p:ph type="title"/>
+          </p:nvPr>
+        </p:nvSpPr>
+        <p:spPr/>
+        <p:txBody>
+          <a:bodyPr/>
+          <a:lstStyle/>
+          <a:p>
+            <a:r>
+              <a:rPr lang="en-US" dirty="0"/>
+              <a:t>Special thanks</a:t>
+            </a:r>
+          </a:p>
+        </p:txBody>
+      </p:sp>
+      <p:sp>
+        <p:nvSpPr>
+          <p:cNvPr id="3" name="Content Placeholder 2"/>
+          <p:cNvSpPr>
+            <a:spLocks noGrp="1"/>
+          </p:cNvSpPr>
+          <p:nvPr>
+            <p:ph idx="1"/>
+          </p:nvPr>
+        </p:nvSpPr>
+        <p:spPr/>
+        <p:txBody>
+          <a:bodyPr/>
+          <a:lstStyle/>
+          <a:p>
+            <a:r>
+              <a:rPr lang="en-US" dirty="0"/>
+              <a:t>Special thanks to:</a:t>
+            </a:r>
+          </a:p>
+          <a:p>
+            <a:pPr lvl="1"/>
+            <a:r>
+              <a:rPr lang="en-US" dirty="0"/>
+              <a:t>Charlie </a:t>
+            </a:r>
+            <a:r>
+              <a:rPr lang="en-US" dirty="0" err="1"/>
+              <a:t>Curtsinger</a:t>
+            </a:r>
+            <a:r>
+              <a:rPr lang="en-US" dirty="0"/>
+              <a:t> and Emery Berger for discovering causal profiling and making the original COZ program available for reference</a:t>
+            </a:r>
+          </a:p>
+          <a:p>
+            <a:pPr lvl="1"/>
+            <a:r>
+              <a:rPr lang="en-US" dirty="0"/>
+              <a:t>David </a:t>
+            </a:r>
+            <a:r>
+              <a:rPr lang="en-US" dirty="0" err="1"/>
+              <a:t>Capwell</a:t>
+            </a:r>
+            <a:r>
+              <a:rPr lang="en-US" dirty="0"/>
+              <a:t> and Jeremy Manson for their code that we leveraged to use the infamous undocumented </a:t>
+            </a:r>
+            <a:r>
+              <a:rPr lang="en-US" dirty="0" err="1"/>
+              <a:t>AsyncGetStackTraces</a:t>
+            </a:r>
+            <a:r>
+              <a:rPr lang="en-US" dirty="0"/>
+              <a:t> JVMTI function</a:t>
+            </a:r>
+          </a:p>
+        </p:txBody>
+      </p:sp>
+    </p:spTree>
+    <p:extLst>
+      <p:ext uri="{BB962C8B-B14F-4D97-AF65-F5344CB8AC3E}">
+        <p14:creationId xmlns:p14="http://schemas.microsoft.com/office/powerpoint/2010/main" val="3068253877"/>
+      </p:ext>
+    </p:extLst>
+  </p:cSld>
+  <p:clrMapOvr>
+    <a:masterClrMapping/>
+  </p:clrMapOvr>
+</p:sld>
+</file>
+
+<file path=ppt/slides/slide32.xml><?xml version="1.0" encoding="utf-8"?>
+<p:sld xmlns:a="http://schemas.openxmlformats.org/drawingml/2006/main" xmlns:r="http://schemas.openxmlformats.org/officeDocument/2006/relationships" xmlns:p="http://schemas.openxmlformats.org/presentationml/2006/main">
+  <p:cSld>
+    <p:spTree>
+      <p:nvGrpSpPr>
+        <p:cNvPr id="1" name=""/>
+        <p:cNvGrpSpPr/>
+        <p:nvPr/>
+      </p:nvGrpSpPr>
+      <p:grpSpPr>
+        <a:xfrm>
+          <a:off x="0" y="0"/>
+          <a:ext cx="0" cy="0"/>
+          <a:chOff x="0" y="0"/>
+          <a:chExt cx="0" cy="0"/>
+        </a:xfrm>
+      </p:grpSpPr>
+      <p:sp>
+        <p:nvSpPr>
+          <p:cNvPr id="4" name="Title 3"/>
+          <p:cNvSpPr>
+            <a:spLocks noGrp="1"/>
+          </p:cNvSpPr>
+          <p:nvPr>
+            <p:ph type="title"/>
+          </p:nvPr>
+        </p:nvSpPr>
+        <p:spPr/>
+        <p:txBody>
+          <a:bodyPr/>
+          <a:lstStyle/>
+          <a:p>
+            <a:r>
+              <a:rPr lang="en-US" dirty="0"/>
+              <a:t>Questions?</a:t>
+            </a:r>
+          </a:p>
+        </p:txBody>
+      </p:sp>
+      <p:sp>
+        <p:nvSpPr>
+          <p:cNvPr id="5" name="Text Placeholder 4"/>
+          <p:cNvSpPr>
+            <a:spLocks noGrp="1"/>
+          </p:cNvSpPr>
+          <p:nvPr>
+            <p:ph type="body" idx="1"/>
+          </p:nvPr>
+        </p:nvSpPr>
+        <p:spPr/>
+        <p:txBody>
+          <a:bodyPr/>
+          <a:lstStyle/>
+          <a:p>
+            <a:endParaRPr lang="en-US" dirty="0"/>
+          </a:p>
+        </p:txBody>
+      </p:sp>
+    </p:spTree>
+    <p:extLst>
+      <p:ext uri="{BB962C8B-B14F-4D97-AF65-F5344CB8AC3E}">
+        <p14:creationId xmlns:p14="http://schemas.microsoft.com/office/powerpoint/2010/main" val="1228700166"/>
       </p:ext>
     </p:extLst>
   </p:cSld>
@@ -5927,7 +8034,7 @@
           <a:p>
             <a:r>
               <a:rPr lang="en-US" dirty="0"/>
-              <a:t>Using virtual speedup to simulate program speedup</a:t>
+              <a:t>Virtual Speedup</a:t>
             </a:r>
           </a:p>
         </p:txBody>
@@ -6016,7 +8123,7 @@
         <p:spPr/>
         <p:txBody>
           <a:bodyPr>
-            <a:normAutofit fontScale="92500" lnSpcReduction="20000"/>
+            <a:normAutofit fontScale="85000" lnSpcReduction="20000"/>
           </a:bodyPr>
           <a:lstStyle/>
           <a:p>
@@ -6050,7 +8157,7 @@
             <a:pPr lvl="2"/>
             <a:r>
               <a:rPr lang="en-US" dirty="0"/>
-              <a:t>Too expensive to do in reality, instead we sample threads</a:t>
+              <a:t>Too expensive to do in reality, instead we sample threads at some pre-determined frequency</a:t>
             </a:r>
           </a:p>
           <a:p>
@@ -6067,7 +8174,7 @@
           <a:p>
             <a:r>
               <a:rPr lang="en-US" dirty="0"/>
-              <a:t>At the end of the program (when enough results have been collected), experiments that indicate biggest throughput increases are highlighted as lines for optimization</a:t>
+              <a:t>At the end of the program (when enough results have been collected), experiments that indicate biggest throughput increases relative to the experiment runtime are highlighted as lines for optimization</a:t>
             </a:r>
           </a:p>
           <a:p>
@@ -6271,7 +8378,7 @@
           <a:p>
             <a:r>
               <a:rPr lang="en-US" dirty="0"/>
-              <a:t>multithreaded program Example</a:t>
+              <a:t>JCOZ in Action</a:t>
             </a:r>
           </a:p>
         </p:txBody>
@@ -6291,7 +8398,10 @@
           <a:bodyPr/>
           <a:lstStyle/>
           <a:p>
-            <a:endParaRPr lang="en-US"/>
+            <a:r>
+              <a:rPr lang="en-US" dirty="0"/>
+              <a:t>A simple multithreaded program example</a:t>
+            </a:r>
           </a:p>
         </p:txBody>
       </p:sp>
@@ -6335,7 +8445,12 @@
             <p:ph type="title"/>
           </p:nvPr>
         </p:nvSpPr>
-        <p:spPr/>
+        <p:spPr>
+          <a:xfrm>
+            <a:off x="1141413" y="16854"/>
+            <a:ext cx="9905998" cy="1104900"/>
+          </a:xfrm>
+        </p:spPr>
         <p:txBody>
           <a:bodyPr/>
           <a:lstStyle/>
@@ -6347,32 +8462,117 @@
           </a:p>
         </p:txBody>
       </p:sp>
-      <p:sp>
-        <p:nvSpPr>
-          <p:cNvPr id="5" name="Content Placeholder 4"/>
-          <p:cNvSpPr>
-            <a:spLocks noGrp="1"/>
-          </p:cNvSpPr>
+      <p:pic>
+        <p:nvPicPr>
+          <p:cNvPr id="8" name="Content Placeholder 7"/>
+          <p:cNvPicPr>
+            <a:picLocks noGrp="1" noChangeAspect="1"/>
+          </p:cNvPicPr>
           <p:nvPr>
             <p:ph idx="1"/>
           </p:nvPr>
-        </p:nvSpPr>
-        <p:spPr/>
-        <p:txBody>
-          <a:bodyPr/>
-          <a:lstStyle/>
-          <a:p>
-            <a:pPr marL="0" indent="0">
-              <a:buNone/>
-            </a:pPr>
-            <a:endParaRPr lang="en-US" dirty="0"/>
-          </a:p>
-        </p:txBody>
-      </p:sp>
+        </p:nvPicPr>
+        <p:blipFill>
+          <a:blip r:embed="rId2"/>
+          <a:stretch>
+            <a:fillRect/>
+          </a:stretch>
+        </p:blipFill>
+        <p:spPr>
+          <a:xfrm>
+            <a:off x="2283332" y="952499"/>
+            <a:ext cx="6660643" cy="5726529"/>
+          </a:xfrm>
+        </p:spPr>
+      </p:pic>
     </p:spTree>
     <p:extLst>
       <p:ext uri="{BB962C8B-B14F-4D97-AF65-F5344CB8AC3E}">
         <p14:creationId xmlns:p14="http://schemas.microsoft.com/office/powerpoint/2010/main" val="2795144053"/>
+      </p:ext>
+    </p:extLst>
+  </p:cSld>
+  <p:clrMapOvr>
+    <a:masterClrMapping/>
+  </p:clrMapOvr>
+</p:sld>
+</file>
+
+<file path=ppt/slides/slide9.xml><?xml version="1.0" encoding="utf-8"?>
+<p:sld xmlns:a="http://schemas.openxmlformats.org/drawingml/2006/main" xmlns:r="http://schemas.openxmlformats.org/officeDocument/2006/relationships" xmlns:p="http://schemas.openxmlformats.org/presentationml/2006/main">
+  <p:cSld>
+    <p:spTree>
+      <p:nvGrpSpPr>
+        <p:cNvPr id="1" name=""/>
+        <p:cNvGrpSpPr/>
+        <p:nvPr/>
+      </p:nvGrpSpPr>
+      <p:grpSpPr>
+        <a:xfrm>
+          <a:off x="0" y="0"/>
+          <a:ext cx="0" cy="0"/>
+          <a:chOff x="0" y="0"/>
+          <a:chExt cx="0" cy="0"/>
+        </a:xfrm>
+      </p:grpSpPr>
+      <p:sp>
+        <p:nvSpPr>
+          <p:cNvPr id="2" name="Title 1"/>
+          <p:cNvSpPr>
+            <a:spLocks noGrp="1"/>
+          </p:cNvSpPr>
+          <p:nvPr>
+            <p:ph type="title"/>
+          </p:nvPr>
+        </p:nvSpPr>
+        <p:spPr>
+          <a:xfrm>
+            <a:off x="1141413" y="390525"/>
+            <a:ext cx="9905998" cy="1066800"/>
+          </a:xfrm>
+        </p:spPr>
+        <p:txBody>
+          <a:bodyPr/>
+          <a:lstStyle/>
+          <a:p>
+            <a:r>
+              <a:rPr lang="en-US" dirty="0" err="1"/>
+              <a:t>Jcoz</a:t>
+            </a:r>
+            <a:r>
+              <a:rPr lang="en-US" dirty="0"/>
+              <a:t> gives accurate profile results (I)</a:t>
+            </a:r>
+          </a:p>
+        </p:txBody>
+      </p:sp>
+      <p:pic>
+        <p:nvPicPr>
+          <p:cNvPr id="6" name="Content Placeholder 5"/>
+          <p:cNvPicPr>
+            <a:picLocks noGrp="1" noChangeAspect="1"/>
+          </p:cNvPicPr>
+          <p:nvPr>
+            <p:ph idx="1"/>
+          </p:nvPr>
+        </p:nvPicPr>
+        <p:blipFill>
+          <a:blip r:embed="rId2"/>
+          <a:stretch>
+            <a:fillRect/>
+          </a:stretch>
+        </p:blipFill>
+        <p:spPr>
+          <a:xfrm>
+            <a:off x="1762125" y="1626124"/>
+            <a:ext cx="7448550" cy="4475324"/>
+          </a:xfrm>
+        </p:spPr>
+      </p:pic>
+    </p:spTree>
+    <p:extLst>
+      <p:ext uri="{BB962C8B-B14F-4D97-AF65-F5344CB8AC3E}">
+        <p14:creationId xmlns:p14="http://schemas.microsoft.com/office/powerpoint/2010/main" val="778919165"/>
       </p:ext>
     </p:extLst>
   </p:cSld>
